--- a/GESTAO DE INFRAESTRUTURA - CCT0347/SLIDES/GI_ALB_20019_1_Aula11.pptx
+++ b/GESTAO DE INFRAESTRUTURA - CCT0347/SLIDES/GI_ALB_20019_1_Aula11.pptx
@@ -5,10 +5,10 @@
     <p:sldMasterId id="2147483827" r:id="rId1"/>
   </p:sldMasterIdLst>
   <p:notesMasterIdLst>
-    <p:notesMasterId r:id="rId28"/>
+    <p:notesMasterId r:id="rId29"/>
   </p:notesMasterIdLst>
   <p:handoutMasterIdLst>
-    <p:handoutMasterId r:id="rId29"/>
+    <p:handoutMasterId r:id="rId30"/>
   </p:handoutMasterIdLst>
   <p:sldIdLst>
     <p:sldId id="256" r:id="rId2"/>
@@ -26,17 +26,18 @@
     <p:sldId id="329" r:id="rId14"/>
     <p:sldId id="347" r:id="rId15"/>
     <p:sldId id="348" r:id="rId16"/>
-    <p:sldId id="349" r:id="rId17"/>
-    <p:sldId id="350" r:id="rId18"/>
-    <p:sldId id="351" r:id="rId19"/>
-    <p:sldId id="352" r:id="rId20"/>
-    <p:sldId id="353" r:id="rId21"/>
-    <p:sldId id="354" r:id="rId22"/>
-    <p:sldId id="355" r:id="rId23"/>
-    <p:sldId id="356" r:id="rId24"/>
-    <p:sldId id="357" r:id="rId25"/>
-    <p:sldId id="338" r:id="rId26"/>
-    <p:sldId id="305" r:id="rId27"/>
+    <p:sldId id="358" r:id="rId17"/>
+    <p:sldId id="349" r:id="rId18"/>
+    <p:sldId id="350" r:id="rId19"/>
+    <p:sldId id="351" r:id="rId20"/>
+    <p:sldId id="352" r:id="rId21"/>
+    <p:sldId id="353" r:id="rId22"/>
+    <p:sldId id="354" r:id="rId23"/>
+    <p:sldId id="355" r:id="rId24"/>
+    <p:sldId id="356" r:id="rId25"/>
+    <p:sldId id="357" r:id="rId26"/>
+    <p:sldId id="338" r:id="rId27"/>
+    <p:sldId id="305" r:id="rId28"/>
   </p:sldIdLst>
   <p:sldSz cx="9144000" cy="5143500" type="screen16x9"/>
   <p:notesSz cx="6858000" cy="9144000"/>
@@ -2670,7 +2671,7 @@
             <a:fld id="{E42B43C5-6F52-AD40-A97F-6E8DC5AF1C1A}" type="datetimeFigureOut">
               <a:rPr lang="en-US" smtClean="0"/>
               <a:pPr/>
-              <a:t>12/27/2018</a:t>
+              <a:t>1/18/2019</a:t>
             </a:fld>
             <a:endParaRPr lang="en-US"/>
           </a:p>
@@ -2853,7 +2854,7 @@
               <a:pPr>
                 <a:defRPr/>
               </a:pPr>
-              <a:t>12/27/2018</a:t>
+              <a:t>1/18/2019</a:t>
             </a:fld>
             <a:endParaRPr lang="en-US"/>
           </a:p>
@@ -7148,6 +7149,607 @@
       </p:grpSpPr>
       <p:sp>
         <p:nvSpPr>
+          <p:cNvPr id="12" name="Retângulo 10"/>
+          <p:cNvSpPr/>
+          <p:nvPr/>
+        </p:nvSpPr>
+        <p:spPr>
+          <a:xfrm rot="275902">
+            <a:off x="7734098" y="1472533"/>
+            <a:ext cx="626363" cy="541902"/>
+          </a:xfrm>
+          <a:custGeom>
+            <a:avLst/>
+            <a:gdLst>
+              <a:gd name="connsiteX0" fmla="*/ 0 w 556537"/>
+              <a:gd name="connsiteY0" fmla="*/ 0 h 349397"/>
+              <a:gd name="connsiteX1" fmla="*/ 556537 w 556537"/>
+              <a:gd name="connsiteY1" fmla="*/ 0 h 349397"/>
+              <a:gd name="connsiteX2" fmla="*/ 556537 w 556537"/>
+              <a:gd name="connsiteY2" fmla="*/ 349397 h 349397"/>
+              <a:gd name="connsiteX3" fmla="*/ 0 w 556537"/>
+              <a:gd name="connsiteY3" fmla="*/ 349397 h 349397"/>
+              <a:gd name="connsiteX4" fmla="*/ 0 w 556537"/>
+              <a:gd name="connsiteY4" fmla="*/ 0 h 349397"/>
+              <a:gd name="connsiteX0" fmla="*/ 0 w 568569"/>
+              <a:gd name="connsiteY0" fmla="*/ 0 h 541902"/>
+              <a:gd name="connsiteX1" fmla="*/ 556537 w 568569"/>
+              <a:gd name="connsiteY1" fmla="*/ 0 h 541902"/>
+              <a:gd name="connsiteX2" fmla="*/ 568569 w 568569"/>
+              <a:gd name="connsiteY2" fmla="*/ 541902 h 541902"/>
+              <a:gd name="connsiteX3" fmla="*/ 0 w 568569"/>
+              <a:gd name="connsiteY3" fmla="*/ 349397 h 541902"/>
+              <a:gd name="connsiteX4" fmla="*/ 0 w 568569"/>
+              <a:gd name="connsiteY4" fmla="*/ 0 h 541902"/>
+              <a:gd name="connsiteX0" fmla="*/ 0 w 568569"/>
+              <a:gd name="connsiteY0" fmla="*/ 0 h 541902"/>
+              <a:gd name="connsiteX1" fmla="*/ 556537 w 568569"/>
+              <a:gd name="connsiteY1" fmla="*/ 108284 h 541902"/>
+              <a:gd name="connsiteX2" fmla="*/ 568569 w 568569"/>
+              <a:gd name="connsiteY2" fmla="*/ 541902 h 541902"/>
+              <a:gd name="connsiteX3" fmla="*/ 0 w 568569"/>
+              <a:gd name="connsiteY3" fmla="*/ 349397 h 541902"/>
+              <a:gd name="connsiteX4" fmla="*/ 0 w 568569"/>
+              <a:gd name="connsiteY4" fmla="*/ 0 h 541902"/>
+            </a:gdLst>
+            <a:ahLst/>
+            <a:cxnLst>
+              <a:cxn ang="0">
+                <a:pos x="connsiteX0" y="connsiteY0"/>
+              </a:cxn>
+              <a:cxn ang="0">
+                <a:pos x="connsiteX1" y="connsiteY1"/>
+              </a:cxn>
+              <a:cxn ang="0">
+                <a:pos x="connsiteX2" y="connsiteY2"/>
+              </a:cxn>
+              <a:cxn ang="0">
+                <a:pos x="connsiteX3" y="connsiteY3"/>
+              </a:cxn>
+              <a:cxn ang="0">
+                <a:pos x="connsiteX4" y="connsiteY4"/>
+              </a:cxn>
+            </a:cxnLst>
+            <a:rect l="l" t="t" r="r" b="b"/>
+            <a:pathLst>
+              <a:path w="568569" h="541902">
+                <a:moveTo>
+                  <a:pt x="0" y="0"/>
+                </a:moveTo>
+                <a:lnTo>
+                  <a:pt x="556537" y="108284"/>
+                </a:lnTo>
+                <a:lnTo>
+                  <a:pt x="568569" y="541902"/>
+                </a:lnTo>
+                <a:lnTo>
+                  <a:pt x="0" y="349397"/>
+                </a:lnTo>
+                <a:lnTo>
+                  <a:pt x="0" y="0"/>
+                </a:lnTo>
+                <a:close/>
+              </a:path>
+            </a:pathLst>
+          </a:custGeom>
+          <a:solidFill>
+            <a:schemeClr val="bg1">
+              <a:lumMod val="75000"/>
+            </a:schemeClr>
+          </a:solidFill>
+          <a:ln>
+            <a:noFill/>
+          </a:ln>
+          <a:effectLst/>
+        </p:spPr>
+        <p:style>
+          <a:lnRef idx="1">
+            <a:schemeClr val="accent1"/>
+          </a:lnRef>
+          <a:fillRef idx="3">
+            <a:schemeClr val="accent1"/>
+          </a:fillRef>
+          <a:effectRef idx="2">
+            <a:schemeClr val="accent1"/>
+          </a:effectRef>
+          <a:fontRef idx="minor">
+            <a:schemeClr val="lt1"/>
+          </a:fontRef>
+        </p:style>
+        <p:txBody>
+          <a:bodyPr rtlCol="0" anchor="ctr"/>
+          <a:lstStyle/>
+          <a:p>
+            <a:pPr algn="ctr"/>
+            <a:endParaRPr lang="pt-BR"/>
+          </a:p>
+        </p:txBody>
+      </p:sp>
+      <p:sp>
+        <p:nvSpPr>
+          <p:cNvPr id="13" name="Retângulo 12"/>
+          <p:cNvSpPr/>
+          <p:nvPr/>
+        </p:nvSpPr>
+        <p:spPr>
+          <a:xfrm>
+            <a:off x="800988" y="1223206"/>
+            <a:ext cx="7246290" cy="3075592"/>
+          </a:xfrm>
+          <a:prstGeom prst="rect">
+            <a:avLst/>
+          </a:prstGeom>
+          <a:solidFill>
+            <a:schemeClr val="bg1">
+              <a:lumMod val="95000"/>
+            </a:schemeClr>
+          </a:solidFill>
+          <a:ln w="3175">
+            <a:solidFill>
+              <a:schemeClr val="bg1">
+                <a:lumMod val="85000"/>
+              </a:schemeClr>
+            </a:solidFill>
+          </a:ln>
+          <a:effectLst/>
+        </p:spPr>
+        <p:style>
+          <a:lnRef idx="1">
+            <a:schemeClr val="accent1"/>
+          </a:lnRef>
+          <a:fillRef idx="3">
+            <a:schemeClr val="accent1"/>
+          </a:fillRef>
+          <a:effectRef idx="2">
+            <a:schemeClr val="accent1"/>
+          </a:effectRef>
+          <a:fontRef idx="minor">
+            <a:schemeClr val="lt1"/>
+          </a:fontRef>
+        </p:style>
+        <p:txBody>
+          <a:bodyPr rtlCol="0" anchor="ctr"/>
+          <a:lstStyle/>
+          <a:p>
+            <a:pPr algn="ctr"/>
+            <a:endParaRPr lang="pt-BR"/>
+          </a:p>
+        </p:txBody>
+      </p:sp>
+      <p:grpSp>
+        <p:nvGrpSpPr>
+          <p:cNvPr id="14" name="Grupo 7"/>
+          <p:cNvGrpSpPr/>
+          <p:nvPr/>
+        </p:nvGrpSpPr>
+        <p:grpSpPr>
+          <a:xfrm>
+            <a:off x="5234391" y="1605537"/>
+            <a:ext cx="3122213" cy="2349726"/>
+            <a:chOff x="8959367" y="2243285"/>
+            <a:chExt cx="2952014" cy="2729264"/>
+          </a:xfrm>
+        </p:grpSpPr>
+        <p:sp>
+          <p:nvSpPr>
+            <p:cNvPr id="15" name="Retângulo 14"/>
+            <p:cNvSpPr/>
+            <p:nvPr/>
+          </p:nvSpPr>
+          <p:spPr>
+            <a:xfrm>
+              <a:off x="8959368" y="2243286"/>
+              <a:ext cx="2952013" cy="2729263"/>
+            </a:xfrm>
+            <a:prstGeom prst="rect">
+              <a:avLst/>
+            </a:prstGeom>
+            <a:solidFill>
+              <a:schemeClr val="bg2"/>
+            </a:solidFill>
+            <a:ln>
+              <a:noFill/>
+            </a:ln>
+            <a:effectLst/>
+          </p:spPr>
+          <p:style>
+            <a:lnRef idx="1">
+              <a:schemeClr val="accent1"/>
+            </a:lnRef>
+            <a:fillRef idx="3">
+              <a:schemeClr val="accent1"/>
+            </a:fillRef>
+            <a:effectRef idx="2">
+              <a:schemeClr val="accent1"/>
+            </a:effectRef>
+            <a:fontRef idx="minor">
+              <a:schemeClr val="lt1"/>
+            </a:fontRef>
+          </p:style>
+          <p:txBody>
+            <a:bodyPr rtlCol="0" anchor="ctr"/>
+            <a:lstStyle/>
+            <a:p>
+              <a:pPr algn="ctr"/>
+              <a:endParaRPr lang="pt-BR"/>
+            </a:p>
+          </p:txBody>
+        </p:sp>
+        <p:sp>
+          <p:nvSpPr>
+            <p:cNvPr id="16" name="Retângulo 15"/>
+            <p:cNvSpPr/>
+            <p:nvPr/>
+          </p:nvSpPr>
+          <p:spPr>
+            <a:xfrm>
+              <a:off x="8959367" y="2243285"/>
+              <a:ext cx="2952013" cy="2729263"/>
+            </a:xfrm>
+            <a:prstGeom prst="rect">
+              <a:avLst/>
+            </a:prstGeom>
+            <a:noFill/>
+            <a:ln>
+              <a:solidFill>
+                <a:schemeClr val="bg1">
+                  <a:lumMod val="85000"/>
+                </a:schemeClr>
+              </a:solidFill>
+            </a:ln>
+            <a:effectLst/>
+          </p:spPr>
+          <p:style>
+            <a:lnRef idx="1">
+              <a:schemeClr val="accent1"/>
+            </a:lnRef>
+            <a:fillRef idx="3">
+              <a:schemeClr val="accent1"/>
+            </a:fillRef>
+            <a:effectRef idx="2">
+              <a:schemeClr val="accent1"/>
+            </a:effectRef>
+            <a:fontRef idx="minor">
+              <a:schemeClr val="lt1"/>
+            </a:fontRef>
+          </p:style>
+          <p:txBody>
+            <a:bodyPr rtlCol="0" anchor="ctr"/>
+            <a:lstStyle/>
+            <a:p>
+              <a:pPr algn="ctr"/>
+              <a:endParaRPr lang="pt-BR">
+                <a:ln w="18415" cmpd="sng">
+                  <a:solidFill>
+                    <a:srgbClr val="FFFFFF"/>
+                  </a:solidFill>
+                  <a:prstDash val="solid"/>
+                </a:ln>
+                <a:solidFill>
+                  <a:srgbClr val="FFFFFF"/>
+                </a:solidFill>
+                <a:effectLst>
+                  <a:outerShdw blurRad="50800" dist="38100" dir="16200000" rotWithShape="0">
+                    <a:prstClr val="black">
+                      <a:alpha val="40000"/>
+                    </a:prstClr>
+                  </a:outerShdw>
+                </a:effectLst>
+              </a:endParaRPr>
+            </a:p>
+          </p:txBody>
+        </p:sp>
+      </p:grpSp>
+      <p:sp>
+        <p:nvSpPr>
+          <p:cNvPr id="17" name="Retângulo de cantos arredondados 5"/>
+          <p:cNvSpPr/>
+          <p:nvPr/>
+        </p:nvSpPr>
+        <p:spPr>
+          <a:xfrm flipV="1">
+            <a:off x="800987" y="4299448"/>
+            <a:ext cx="7246290" cy="45719"/>
+          </a:xfrm>
+          <a:prstGeom prst="roundRect">
+            <a:avLst/>
+          </a:prstGeom>
+          <a:solidFill>
+            <a:srgbClr val="4BB7C1"/>
+          </a:solidFill>
+          <a:ln>
+            <a:noFill/>
+          </a:ln>
+          <a:effectLst/>
+        </p:spPr>
+        <p:style>
+          <a:lnRef idx="1">
+            <a:schemeClr val="accent1"/>
+          </a:lnRef>
+          <a:fillRef idx="3">
+            <a:schemeClr val="accent1"/>
+          </a:fillRef>
+          <a:effectRef idx="2">
+            <a:schemeClr val="accent1"/>
+          </a:effectRef>
+          <a:fontRef idx="minor">
+            <a:schemeClr val="lt1"/>
+          </a:fontRef>
+        </p:style>
+        <p:txBody>
+          <a:bodyPr rtlCol="0" anchor="ctr"/>
+          <a:lstStyle/>
+          <a:p>
+            <a:pPr algn="ctr"/>
+            <a:endParaRPr lang="pt-BR"/>
+          </a:p>
+        </p:txBody>
+      </p:sp>
+      <p:sp>
+        <p:nvSpPr>
+          <p:cNvPr id="18" name="CaixaDeTexto 17"/>
+          <p:cNvSpPr txBox="1"/>
+          <p:nvPr/>
+        </p:nvSpPr>
+        <p:spPr>
+          <a:xfrm>
+            <a:off x="855138" y="900283"/>
+            <a:ext cx="3411443" cy="2828916"/>
+          </a:xfrm>
+          <a:prstGeom prst="rect">
+            <a:avLst/>
+          </a:prstGeom>
+          <a:noFill/>
+        </p:spPr>
+        <p:txBody>
+          <a:bodyPr wrap="square" rtlCol="0">
+            <a:spAutoFit/>
+          </a:bodyPr>
+          <a:lstStyle/>
+          <a:p>
+            <a:pPr marL="285750" indent="-285750">
+              <a:spcAft>
+                <a:spcPts val="2400"/>
+              </a:spcAft>
+              <a:buFont typeface="Arial" panose="020B0604020202020204" pitchFamily="34" charset="0"/>
+              <a:buChar char="•"/>
+            </a:pPr>
+            <a:r>
+              <a:rPr lang="pt-BR" sz="1400" dirty="0">
+                <a:solidFill>
+                  <a:schemeClr val="tx1">
+                    <a:lumMod val="65000"/>
+                    <a:lumOff val="35000"/>
+                  </a:schemeClr>
+                </a:solidFill>
+              </a:rPr>
+              <a:t>Categorias de mudança: (FREITAS, 2013)</a:t>
+            </a:r>
+          </a:p>
+          <a:p>
+            <a:pPr>
+              <a:lnSpc>
+                <a:spcPct val="150000"/>
+              </a:lnSpc>
+              <a:spcAft>
+                <a:spcPts val="1200"/>
+              </a:spcAft>
+            </a:pPr>
+            <a:r>
+              <a:rPr lang="pt-BR" sz="1400" b="1" dirty="0">
+                <a:solidFill>
+                  <a:srgbClr val="219D93"/>
+                </a:solidFill>
+              </a:rPr>
+              <a:t>Mudança técnica: </a:t>
+            </a:r>
+          </a:p>
+          <a:p>
+            <a:pPr>
+              <a:lnSpc>
+                <a:spcPct val="150000"/>
+              </a:lnSpc>
+              <a:spcAft>
+                <a:spcPts val="1200"/>
+              </a:spcAft>
+            </a:pPr>
+            <a:r>
+              <a:rPr lang="pt-BR" sz="1400" dirty="0">
+                <a:solidFill>
+                  <a:schemeClr val="tx1">
+                    <a:lumMod val="65000"/>
+                    <a:lumOff val="35000"/>
+                  </a:schemeClr>
+                </a:solidFill>
+              </a:rPr>
+              <a:t>é toda aquela que possa impactar os componentes de TI, sem que os serviços sejam alterados.</a:t>
+            </a:r>
+          </a:p>
+          <a:p>
+            <a:pPr marL="285750" indent="-285750">
+              <a:lnSpc>
+                <a:spcPct val="150000"/>
+              </a:lnSpc>
+              <a:spcAft>
+                <a:spcPts val="1200"/>
+              </a:spcAft>
+              <a:buFont typeface="Arial" panose="020B0604020202020204" pitchFamily="34" charset="0"/>
+              <a:buChar char="•"/>
+            </a:pPr>
+            <a:r>
+              <a:rPr lang="pt-BR" sz="1400" dirty="0">
+                <a:solidFill>
+                  <a:schemeClr val="tx1">
+                    <a:lumMod val="65000"/>
+                    <a:lumOff val="35000"/>
+                  </a:schemeClr>
+                </a:solidFill>
+              </a:rPr>
+              <a:t>Costumam ser mudanças necessárias para correção dos componentes de TI.</a:t>
+            </a:r>
+          </a:p>
+        </p:txBody>
+      </p:sp>
+      <p:sp>
+        <p:nvSpPr>
+          <p:cNvPr id="19" name="CaixaDeTexto 18"/>
+          <p:cNvSpPr txBox="1"/>
+          <p:nvPr/>
+        </p:nvSpPr>
+        <p:spPr>
+          <a:xfrm>
+            <a:off x="369785" y="561729"/>
+            <a:ext cx="4025006" cy="338554"/>
+          </a:xfrm>
+          <a:prstGeom prst="rect">
+            <a:avLst/>
+          </a:prstGeom>
+          <a:noFill/>
+        </p:spPr>
+        <p:txBody>
+          <a:bodyPr wrap="square" rtlCol="0">
+            <a:spAutoFit/>
+          </a:bodyPr>
+          <a:lstStyle/>
+          <a:p>
+            <a:pPr lvl="0">
+              <a:spcBef>
+                <a:spcPts val="1200"/>
+              </a:spcBef>
+              <a:spcAft>
+                <a:spcPts val="1200"/>
+              </a:spcAft>
+            </a:pPr>
+            <a:r>
+              <a:rPr lang="pt-BR" sz="1600" b="1" dirty="0">
+                <a:solidFill>
+                  <a:schemeClr val="tx1">
+                    <a:lumMod val="65000"/>
+                    <a:lumOff val="35000"/>
+                  </a:schemeClr>
+                </a:solidFill>
+              </a:rPr>
+              <a:t>Importância do gerenciamento de mudanças</a:t>
+            </a:r>
+          </a:p>
+        </p:txBody>
+      </p:sp>
+      <p:pic>
+        <p:nvPicPr>
+          <p:cNvPr id="21" name="Picture 2"/>
+          <p:cNvPicPr>
+            <a:picLocks noChangeAspect="1" noChangeArrowheads="1"/>
+          </p:cNvPicPr>
+          <p:nvPr/>
+        </p:nvPicPr>
+        <p:blipFill>
+          <a:blip r:embed="rId2">
+            <a:extLst>
+              <a:ext uri="{28A0092B-C50C-407E-A947-70E740481C1C}">
+                <a14:useLocalDpi xmlns:a14="http://schemas.microsoft.com/office/drawing/2010/main" val="0"/>
+              </a:ext>
+            </a:extLst>
+          </a:blip>
+          <a:srcRect/>
+          <a:stretch>
+            <a:fillRect/>
+          </a:stretch>
+        </p:blipFill>
+        <p:spPr bwMode="auto">
+          <a:xfrm>
+            <a:off x="5415515" y="1743484"/>
+            <a:ext cx="2763268" cy="2087181"/>
+          </a:xfrm>
+          <a:prstGeom prst="rect">
+            <a:avLst/>
+          </a:prstGeom>
+          <a:noFill/>
+          <a:ln>
+            <a:noFill/>
+          </a:ln>
+          <a:extLst>
+            <a:ext uri="{909E8E84-426E-40DD-AFC4-6F175D3DCCD1}">
+              <a14:hiddenFill xmlns:a14="http://schemas.microsoft.com/office/drawing/2010/main">
+                <a:solidFill>
+                  <a:schemeClr val="accent1"/>
+                </a:solidFill>
+              </a14:hiddenFill>
+            </a:ext>
+            <a:ext uri="{91240B29-F687-4F45-9708-019B960494DF}">
+              <a14:hiddenLine xmlns:a14="http://schemas.microsoft.com/office/drawing/2010/main" w="9525">
+                <a:solidFill>
+                  <a:schemeClr val="tx1"/>
+                </a:solidFill>
+                <a:miter lim="800000"/>
+                <a:headEnd/>
+                <a:tailEnd/>
+              </a14:hiddenLine>
+            </a:ext>
+          </a:extLst>
+        </p:spPr>
+      </p:pic>
+      <p:pic>
+        <p:nvPicPr>
+          <p:cNvPr id="3" name="Imagem 2">
+            <a:extLst>
+              <a:ext uri="{FF2B5EF4-FFF2-40B4-BE49-F238E27FC236}">
+                <a16:creationId xmlns:a16="http://schemas.microsoft.com/office/drawing/2014/main" id="{D7EEA02E-3410-4EA1-B562-4FCC25C3F94E}"/>
+              </a:ext>
+            </a:extLst>
+          </p:cNvPr>
+          <p:cNvPicPr>
+            <a:picLocks noChangeAspect="1"/>
+          </p:cNvPicPr>
+          <p:nvPr/>
+        </p:nvPicPr>
+        <p:blipFill>
+          <a:blip r:embed="rId3"/>
+          <a:stretch>
+            <a:fillRect/>
+          </a:stretch>
+        </p:blipFill>
+        <p:spPr>
+          <a:xfrm>
+            <a:off x="160258" y="1878169"/>
+            <a:ext cx="8823483" cy="2743552"/>
+          </a:xfrm>
+          <a:prstGeom prst="rect">
+            <a:avLst/>
+          </a:prstGeom>
+        </p:spPr>
+      </p:pic>
+    </p:spTree>
+    <p:extLst>
+      <p:ext uri="{BB962C8B-B14F-4D97-AF65-F5344CB8AC3E}">
+        <p14:creationId xmlns:p14="http://schemas.microsoft.com/office/powerpoint/2010/main" val="2010887909"/>
+      </p:ext>
+    </p:extLst>
+  </p:cSld>
+  <p:clrMapOvr>
+    <a:masterClrMapping/>
+  </p:clrMapOvr>
+</p:sld>
+</file>
+
+<file path=ppt/slides/slide17.xml><?xml version="1.0" encoding="utf-8"?>
+<p:sld xmlns:a="http://schemas.openxmlformats.org/drawingml/2006/main" xmlns:r="http://schemas.openxmlformats.org/officeDocument/2006/relationships" xmlns:p="http://schemas.openxmlformats.org/presentationml/2006/main">
+  <p:cSld>
+    <p:spTree>
+      <p:nvGrpSpPr>
+        <p:cNvPr id="1" name=""/>
+        <p:cNvGrpSpPr/>
+        <p:nvPr/>
+      </p:nvGrpSpPr>
+      <p:grpSpPr>
+        <a:xfrm>
+          <a:off x="0" y="0"/>
+          <a:ext cx="0" cy="0"/>
+          <a:chOff x="0" y="0"/>
+          <a:chExt cx="0" cy="0"/>
+        </a:xfrm>
+      </p:grpSpPr>
+      <p:sp>
+        <p:nvSpPr>
           <p:cNvPr id="6" name="Retângulo 10"/>
           <p:cNvSpPr/>
           <p:nvPr/>
@@ -7678,633 +8280,6 @@
     <p:extLst>
       <p:ext uri="{BB962C8B-B14F-4D97-AF65-F5344CB8AC3E}">
         <p14:creationId xmlns:p14="http://schemas.microsoft.com/office/powerpoint/2010/main" val="2472178840"/>
-      </p:ext>
-    </p:extLst>
-  </p:cSld>
-  <p:clrMapOvr>
-    <a:masterClrMapping/>
-  </p:clrMapOvr>
-</p:sld>
-</file>
-
-<file path=ppt/slides/slide17.xml><?xml version="1.0" encoding="utf-8"?>
-<p:sld xmlns:a="http://schemas.openxmlformats.org/drawingml/2006/main" xmlns:r="http://schemas.openxmlformats.org/officeDocument/2006/relationships" xmlns:p="http://schemas.openxmlformats.org/presentationml/2006/main">
-  <p:cSld>
-    <p:spTree>
-      <p:nvGrpSpPr>
-        <p:cNvPr id="1" name=""/>
-        <p:cNvGrpSpPr/>
-        <p:nvPr/>
-      </p:nvGrpSpPr>
-      <p:grpSpPr>
-        <a:xfrm>
-          <a:off x="0" y="0"/>
-          <a:ext cx="0" cy="0"/>
-          <a:chOff x="0" y="0"/>
-          <a:chExt cx="0" cy="0"/>
-        </a:xfrm>
-      </p:grpSpPr>
-      <p:sp>
-        <p:nvSpPr>
-          <p:cNvPr id="2" name="Retângulo 10"/>
-          <p:cNvSpPr/>
-          <p:nvPr/>
-        </p:nvSpPr>
-        <p:spPr>
-          <a:xfrm rot="275902">
-            <a:off x="8017632" y="1323685"/>
-            <a:ext cx="626363" cy="541902"/>
-          </a:xfrm>
-          <a:custGeom>
-            <a:avLst/>
-            <a:gdLst>
-              <a:gd name="connsiteX0" fmla="*/ 0 w 556537"/>
-              <a:gd name="connsiteY0" fmla="*/ 0 h 349397"/>
-              <a:gd name="connsiteX1" fmla="*/ 556537 w 556537"/>
-              <a:gd name="connsiteY1" fmla="*/ 0 h 349397"/>
-              <a:gd name="connsiteX2" fmla="*/ 556537 w 556537"/>
-              <a:gd name="connsiteY2" fmla="*/ 349397 h 349397"/>
-              <a:gd name="connsiteX3" fmla="*/ 0 w 556537"/>
-              <a:gd name="connsiteY3" fmla="*/ 349397 h 349397"/>
-              <a:gd name="connsiteX4" fmla="*/ 0 w 556537"/>
-              <a:gd name="connsiteY4" fmla="*/ 0 h 349397"/>
-              <a:gd name="connsiteX0" fmla="*/ 0 w 568569"/>
-              <a:gd name="connsiteY0" fmla="*/ 0 h 541902"/>
-              <a:gd name="connsiteX1" fmla="*/ 556537 w 568569"/>
-              <a:gd name="connsiteY1" fmla="*/ 0 h 541902"/>
-              <a:gd name="connsiteX2" fmla="*/ 568569 w 568569"/>
-              <a:gd name="connsiteY2" fmla="*/ 541902 h 541902"/>
-              <a:gd name="connsiteX3" fmla="*/ 0 w 568569"/>
-              <a:gd name="connsiteY3" fmla="*/ 349397 h 541902"/>
-              <a:gd name="connsiteX4" fmla="*/ 0 w 568569"/>
-              <a:gd name="connsiteY4" fmla="*/ 0 h 541902"/>
-              <a:gd name="connsiteX0" fmla="*/ 0 w 568569"/>
-              <a:gd name="connsiteY0" fmla="*/ 0 h 541902"/>
-              <a:gd name="connsiteX1" fmla="*/ 556537 w 568569"/>
-              <a:gd name="connsiteY1" fmla="*/ 108284 h 541902"/>
-              <a:gd name="connsiteX2" fmla="*/ 568569 w 568569"/>
-              <a:gd name="connsiteY2" fmla="*/ 541902 h 541902"/>
-              <a:gd name="connsiteX3" fmla="*/ 0 w 568569"/>
-              <a:gd name="connsiteY3" fmla="*/ 349397 h 541902"/>
-              <a:gd name="connsiteX4" fmla="*/ 0 w 568569"/>
-              <a:gd name="connsiteY4" fmla="*/ 0 h 541902"/>
-            </a:gdLst>
-            <a:ahLst/>
-            <a:cxnLst>
-              <a:cxn ang="0">
-                <a:pos x="connsiteX0" y="connsiteY0"/>
-              </a:cxn>
-              <a:cxn ang="0">
-                <a:pos x="connsiteX1" y="connsiteY1"/>
-              </a:cxn>
-              <a:cxn ang="0">
-                <a:pos x="connsiteX2" y="connsiteY2"/>
-              </a:cxn>
-              <a:cxn ang="0">
-                <a:pos x="connsiteX3" y="connsiteY3"/>
-              </a:cxn>
-              <a:cxn ang="0">
-                <a:pos x="connsiteX4" y="connsiteY4"/>
-              </a:cxn>
-            </a:cxnLst>
-            <a:rect l="l" t="t" r="r" b="b"/>
-            <a:pathLst>
-              <a:path w="568569" h="541902">
-                <a:moveTo>
-                  <a:pt x="0" y="0"/>
-                </a:moveTo>
-                <a:lnTo>
-                  <a:pt x="556537" y="108284"/>
-                </a:lnTo>
-                <a:lnTo>
-                  <a:pt x="568569" y="541902"/>
-                </a:lnTo>
-                <a:lnTo>
-                  <a:pt x="0" y="349397"/>
-                </a:lnTo>
-                <a:lnTo>
-                  <a:pt x="0" y="0"/>
-                </a:lnTo>
-                <a:close/>
-              </a:path>
-            </a:pathLst>
-          </a:custGeom>
-          <a:solidFill>
-            <a:schemeClr val="bg1">
-              <a:lumMod val="75000"/>
-            </a:schemeClr>
-          </a:solidFill>
-          <a:ln>
-            <a:noFill/>
-          </a:ln>
-          <a:effectLst/>
-        </p:spPr>
-        <p:style>
-          <a:lnRef idx="1">
-            <a:schemeClr val="accent1"/>
-          </a:lnRef>
-          <a:fillRef idx="3">
-            <a:schemeClr val="accent1"/>
-          </a:fillRef>
-          <a:effectRef idx="2">
-            <a:schemeClr val="accent1"/>
-          </a:effectRef>
-          <a:fontRef idx="minor">
-            <a:schemeClr val="lt1"/>
-          </a:fontRef>
-        </p:style>
-        <p:txBody>
-          <a:bodyPr rtlCol="0" anchor="ctr"/>
-          <a:lstStyle/>
-          <a:p>
-            <a:pPr algn="ctr"/>
-            <a:endParaRPr lang="pt-BR"/>
-          </a:p>
-        </p:txBody>
-      </p:sp>
-      <p:sp>
-        <p:nvSpPr>
-          <p:cNvPr id="3" name="Retângulo 2"/>
-          <p:cNvSpPr/>
-          <p:nvPr/>
-        </p:nvSpPr>
-        <p:spPr>
-          <a:xfrm>
-            <a:off x="425302" y="1223206"/>
-            <a:ext cx="7905510" cy="3075592"/>
-          </a:xfrm>
-          <a:prstGeom prst="rect">
-            <a:avLst/>
-          </a:prstGeom>
-          <a:solidFill>
-            <a:schemeClr val="bg1">
-              <a:lumMod val="95000"/>
-            </a:schemeClr>
-          </a:solidFill>
-          <a:ln w="3175">
-            <a:solidFill>
-              <a:schemeClr val="bg1">
-                <a:lumMod val="85000"/>
-              </a:schemeClr>
-            </a:solidFill>
-          </a:ln>
-          <a:effectLst/>
-        </p:spPr>
-        <p:style>
-          <a:lnRef idx="1">
-            <a:schemeClr val="accent1"/>
-          </a:lnRef>
-          <a:fillRef idx="3">
-            <a:schemeClr val="accent1"/>
-          </a:fillRef>
-          <a:effectRef idx="2">
-            <a:schemeClr val="accent1"/>
-          </a:effectRef>
-          <a:fontRef idx="minor">
-            <a:schemeClr val="lt1"/>
-          </a:fontRef>
-        </p:style>
-        <p:txBody>
-          <a:bodyPr rtlCol="0" anchor="ctr"/>
-          <a:lstStyle/>
-          <a:p>
-            <a:pPr algn="ctr"/>
-            <a:endParaRPr lang="pt-BR"/>
-          </a:p>
-        </p:txBody>
-      </p:sp>
-      <p:grpSp>
-        <p:nvGrpSpPr>
-          <p:cNvPr id="4" name="Grupo 7"/>
-          <p:cNvGrpSpPr/>
-          <p:nvPr/>
-        </p:nvGrpSpPr>
-        <p:grpSpPr>
-          <a:xfrm>
-            <a:off x="5517925" y="1456689"/>
-            <a:ext cx="3122213" cy="2640398"/>
-            <a:chOff x="8959367" y="2243285"/>
-            <a:chExt cx="2952014" cy="2729264"/>
-          </a:xfrm>
-        </p:grpSpPr>
-        <p:sp>
-          <p:nvSpPr>
-            <p:cNvPr id="5" name="Retângulo 4"/>
-            <p:cNvSpPr/>
-            <p:nvPr/>
-          </p:nvSpPr>
-          <p:spPr>
-            <a:xfrm>
-              <a:off x="8959368" y="2243286"/>
-              <a:ext cx="2952013" cy="2729263"/>
-            </a:xfrm>
-            <a:prstGeom prst="rect">
-              <a:avLst/>
-            </a:prstGeom>
-            <a:solidFill>
-              <a:schemeClr val="bg2"/>
-            </a:solidFill>
-            <a:ln>
-              <a:noFill/>
-            </a:ln>
-            <a:effectLst/>
-          </p:spPr>
-          <p:style>
-            <a:lnRef idx="1">
-              <a:schemeClr val="accent1"/>
-            </a:lnRef>
-            <a:fillRef idx="3">
-              <a:schemeClr val="accent1"/>
-            </a:fillRef>
-            <a:effectRef idx="2">
-              <a:schemeClr val="accent1"/>
-            </a:effectRef>
-            <a:fontRef idx="minor">
-              <a:schemeClr val="lt1"/>
-            </a:fontRef>
-          </p:style>
-          <p:txBody>
-            <a:bodyPr rtlCol="0" anchor="ctr"/>
-            <a:lstStyle/>
-            <a:p>
-              <a:pPr algn="ctr"/>
-              <a:endParaRPr lang="pt-BR"/>
-            </a:p>
-          </p:txBody>
-        </p:sp>
-        <p:sp>
-          <p:nvSpPr>
-            <p:cNvPr id="6" name="Retângulo 5"/>
-            <p:cNvSpPr/>
-            <p:nvPr/>
-          </p:nvSpPr>
-          <p:spPr>
-            <a:xfrm>
-              <a:off x="8959367" y="2243285"/>
-              <a:ext cx="2952013" cy="2729263"/>
-            </a:xfrm>
-            <a:prstGeom prst="rect">
-              <a:avLst/>
-            </a:prstGeom>
-            <a:noFill/>
-            <a:ln>
-              <a:solidFill>
-                <a:schemeClr val="bg1">
-                  <a:lumMod val="85000"/>
-                </a:schemeClr>
-              </a:solidFill>
-            </a:ln>
-            <a:effectLst/>
-          </p:spPr>
-          <p:style>
-            <a:lnRef idx="1">
-              <a:schemeClr val="accent1"/>
-            </a:lnRef>
-            <a:fillRef idx="3">
-              <a:schemeClr val="accent1"/>
-            </a:fillRef>
-            <a:effectRef idx="2">
-              <a:schemeClr val="accent1"/>
-            </a:effectRef>
-            <a:fontRef idx="minor">
-              <a:schemeClr val="lt1"/>
-            </a:fontRef>
-          </p:style>
-          <p:txBody>
-            <a:bodyPr rtlCol="0" anchor="ctr"/>
-            <a:lstStyle/>
-            <a:p>
-              <a:pPr algn="ctr"/>
-              <a:endParaRPr lang="pt-BR">
-                <a:ln w="18415" cmpd="sng">
-                  <a:solidFill>
-                    <a:srgbClr val="FFFFFF"/>
-                  </a:solidFill>
-                  <a:prstDash val="solid"/>
-                </a:ln>
-                <a:solidFill>
-                  <a:srgbClr val="FFFFFF"/>
-                </a:solidFill>
-                <a:effectLst>
-                  <a:outerShdw blurRad="50800" dist="38100" dir="16200000" rotWithShape="0">
-                    <a:prstClr val="black">
-                      <a:alpha val="40000"/>
-                    </a:prstClr>
-                  </a:outerShdw>
-                </a:effectLst>
-              </a:endParaRPr>
-            </a:p>
-          </p:txBody>
-        </p:sp>
-      </p:grpSp>
-      <p:sp>
-        <p:nvSpPr>
-          <p:cNvPr id="7" name="Retângulo de cantos arredondados 5"/>
-          <p:cNvSpPr/>
-          <p:nvPr/>
-        </p:nvSpPr>
-        <p:spPr>
-          <a:xfrm flipV="1">
-            <a:off x="425301" y="4299447"/>
-            <a:ext cx="7905510" cy="45719"/>
-          </a:xfrm>
-          <a:prstGeom prst="roundRect">
-            <a:avLst/>
-          </a:prstGeom>
-          <a:solidFill>
-            <a:srgbClr val="4BB7C1"/>
-          </a:solidFill>
-          <a:ln>
-            <a:noFill/>
-          </a:ln>
-          <a:effectLst/>
-        </p:spPr>
-        <p:style>
-          <a:lnRef idx="1">
-            <a:schemeClr val="accent1"/>
-          </a:lnRef>
-          <a:fillRef idx="3">
-            <a:schemeClr val="accent1"/>
-          </a:fillRef>
-          <a:effectRef idx="2">
-            <a:schemeClr val="accent1"/>
-          </a:effectRef>
-          <a:fontRef idx="minor">
-            <a:schemeClr val="lt1"/>
-          </a:fontRef>
-        </p:style>
-        <p:txBody>
-          <a:bodyPr rtlCol="0" anchor="ctr"/>
-          <a:lstStyle/>
-          <a:p>
-            <a:pPr algn="ctr"/>
-            <a:endParaRPr lang="pt-BR"/>
-          </a:p>
-        </p:txBody>
-      </p:sp>
-      <p:sp>
-        <p:nvSpPr>
-          <p:cNvPr id="8" name="CaixaDeTexto 7"/>
-          <p:cNvSpPr txBox="1"/>
-          <p:nvPr/>
-        </p:nvSpPr>
-        <p:spPr>
-          <a:xfrm>
-            <a:off x="674025" y="1429868"/>
-            <a:ext cx="4881928" cy="2662267"/>
-          </a:xfrm>
-          <a:prstGeom prst="rect">
-            <a:avLst/>
-          </a:prstGeom>
-          <a:noFill/>
-        </p:spPr>
-        <p:txBody>
-          <a:bodyPr wrap="square" rtlCol="0">
-            <a:spAutoFit/>
-          </a:bodyPr>
-          <a:lstStyle/>
-          <a:p>
-            <a:pPr marL="285750" indent="-285750">
-              <a:spcAft>
-                <a:spcPts val="2400"/>
-              </a:spcAft>
-              <a:buFont typeface="Arial" panose="020B0604020202020204" pitchFamily="34" charset="0"/>
-              <a:buChar char="•"/>
-            </a:pPr>
-            <a:r>
-              <a:rPr lang="pt-BR" sz="1400" dirty="0">
-                <a:solidFill>
-                  <a:schemeClr val="tx1">
-                    <a:lumMod val="65000"/>
-                    <a:lumOff val="35000"/>
-                  </a:schemeClr>
-                </a:solidFill>
-              </a:rPr>
-              <a:t>Requisição de Mudança: (FREITAS, 2013)</a:t>
-            </a:r>
-          </a:p>
-          <a:p>
-            <a:pPr>
-              <a:spcAft>
-                <a:spcPts val="1200"/>
-              </a:spcAft>
-            </a:pPr>
-            <a:r>
-              <a:rPr lang="pt-BR" sz="1400" b="1" dirty="0">
-                <a:solidFill>
-                  <a:srgbClr val="219D93"/>
-                </a:solidFill>
-              </a:rPr>
-              <a:t>Mudança não autorizada: </a:t>
-            </a:r>
-            <a:r>
-              <a:rPr lang="pt-BR" sz="1400" dirty="0">
-                <a:solidFill>
-                  <a:schemeClr val="tx1">
-                    <a:lumMod val="65000"/>
-                    <a:lumOff val="35000"/>
-                  </a:schemeClr>
-                </a:solidFill>
-              </a:rPr>
-              <a:t>trata-se daquela sem RDM aprovada.</a:t>
-            </a:r>
-          </a:p>
-          <a:p>
-            <a:pPr>
-              <a:spcAft>
-                <a:spcPts val="1200"/>
-              </a:spcAft>
-            </a:pPr>
-            <a:r>
-              <a:rPr lang="pt-BR" sz="1400" b="1" dirty="0">
-                <a:solidFill>
-                  <a:srgbClr val="219D93"/>
-                </a:solidFill>
-              </a:rPr>
-              <a:t>Mudança padrão: </a:t>
-            </a:r>
-            <a:r>
-              <a:rPr lang="pt-BR" sz="1400" dirty="0">
-                <a:solidFill>
-                  <a:schemeClr val="tx1">
-                    <a:lumMod val="65000"/>
-                    <a:lumOff val="35000"/>
-                  </a:schemeClr>
-                </a:solidFill>
-              </a:rPr>
-              <a:t>trata-se daquela com risco baixo, pré-aprovada e com procedimentos de execução já disponíveis. </a:t>
-            </a:r>
-          </a:p>
-          <a:p>
-            <a:pPr>
-              <a:spcAft>
-                <a:spcPts val="1200"/>
-              </a:spcAft>
-            </a:pPr>
-            <a:r>
-              <a:rPr lang="pt-BR" sz="1400" b="1" dirty="0">
-                <a:solidFill>
-                  <a:srgbClr val="219D93"/>
-                </a:solidFill>
-              </a:rPr>
-              <a:t>Mudança emergencial: </a:t>
-            </a:r>
-            <a:r>
-              <a:rPr lang="pt-BR" sz="1400" dirty="0">
-                <a:solidFill>
-                  <a:schemeClr val="tx1">
-                    <a:lumMod val="65000"/>
-                    <a:lumOff val="35000"/>
-                  </a:schemeClr>
-                </a:solidFill>
-              </a:rPr>
-              <a:t>trata-se daquela que deve ser realizada tão logo quanto possível.</a:t>
-            </a:r>
-          </a:p>
-          <a:p>
-            <a:pPr marL="285750" indent="-285750">
-              <a:spcAft>
-                <a:spcPts val="600"/>
-              </a:spcAft>
-              <a:buFont typeface="Arial" panose="020B0604020202020204" pitchFamily="34" charset="0"/>
-              <a:buChar char="•"/>
-            </a:pPr>
-            <a:r>
-              <a:rPr lang="pt-BR" sz="1400" dirty="0">
-                <a:solidFill>
-                  <a:schemeClr val="tx1">
-                    <a:lumMod val="65000"/>
-                    <a:lumOff val="35000"/>
-                  </a:schemeClr>
-                </a:solidFill>
-              </a:rPr>
-              <a:t>É identificada como mudança prioritária;</a:t>
-            </a:r>
-          </a:p>
-          <a:p>
-            <a:pPr marL="285750" indent="-285750">
-              <a:spcAft>
-                <a:spcPts val="1200"/>
-              </a:spcAft>
-              <a:buFont typeface="Arial" panose="020B0604020202020204" pitchFamily="34" charset="0"/>
-              <a:buChar char="•"/>
-            </a:pPr>
-            <a:r>
-              <a:rPr lang="pt-BR" sz="1400" dirty="0">
-                <a:solidFill>
-                  <a:schemeClr val="tx1">
-                    <a:lumMod val="65000"/>
-                    <a:lumOff val="35000"/>
-                  </a:schemeClr>
-                </a:solidFill>
-              </a:rPr>
-              <a:t>Possui fluxo de aprovação diferente das mudanças normais.</a:t>
-            </a:r>
-          </a:p>
-        </p:txBody>
-      </p:sp>
-      <p:sp>
-        <p:nvSpPr>
-          <p:cNvPr id="9" name="CaixaDeTexto 8"/>
-          <p:cNvSpPr txBox="1"/>
-          <p:nvPr/>
-        </p:nvSpPr>
-        <p:spPr>
-          <a:xfrm>
-            <a:off x="369785" y="561729"/>
-            <a:ext cx="4025006" cy="338554"/>
-          </a:xfrm>
-          <a:prstGeom prst="rect">
-            <a:avLst/>
-          </a:prstGeom>
-          <a:noFill/>
-        </p:spPr>
-        <p:txBody>
-          <a:bodyPr wrap="square" rtlCol="0">
-            <a:spAutoFit/>
-          </a:bodyPr>
-          <a:lstStyle/>
-          <a:p>
-            <a:pPr lvl="0">
-              <a:spcBef>
-                <a:spcPts val="1200"/>
-              </a:spcBef>
-              <a:spcAft>
-                <a:spcPts val="1200"/>
-              </a:spcAft>
-            </a:pPr>
-            <a:r>
-              <a:rPr lang="pt-BR" sz="1600" b="1" dirty="0">
-                <a:solidFill>
-                  <a:schemeClr val="tx1">
-                    <a:lumMod val="65000"/>
-                    <a:lumOff val="35000"/>
-                  </a:schemeClr>
-                </a:solidFill>
-              </a:rPr>
-              <a:t>Importância do gerenciamento de mudanças</a:t>
-            </a:r>
-          </a:p>
-        </p:txBody>
-      </p:sp>
-      <p:pic>
-        <p:nvPicPr>
-          <p:cNvPr id="10" name="Picture 3"/>
-          <p:cNvPicPr>
-            <a:picLocks noChangeAspect="1" noChangeArrowheads="1"/>
-          </p:cNvPicPr>
-          <p:nvPr/>
-        </p:nvPicPr>
-        <p:blipFill>
-          <a:blip r:embed="rId2">
-            <a:extLst>
-              <a:ext uri="{28A0092B-C50C-407E-A947-70E740481C1C}">
-                <a14:useLocalDpi xmlns:a14="http://schemas.microsoft.com/office/drawing/2010/main" val="0"/>
-              </a:ext>
-            </a:extLst>
-          </a:blip>
-          <a:srcRect/>
-          <a:stretch>
-            <a:fillRect/>
-          </a:stretch>
-        </p:blipFill>
-        <p:spPr bwMode="auto">
-          <a:xfrm>
-            <a:off x="5693505" y="1594636"/>
-            <a:ext cx="2810395" cy="2369019"/>
-          </a:xfrm>
-          <a:prstGeom prst="rect">
-            <a:avLst/>
-          </a:prstGeom>
-          <a:noFill/>
-          <a:ln>
-            <a:noFill/>
-          </a:ln>
-          <a:extLst>
-            <a:ext uri="{909E8E84-426E-40DD-AFC4-6F175D3DCCD1}">
-              <a14:hiddenFill xmlns:a14="http://schemas.microsoft.com/office/drawing/2010/main">
-                <a:solidFill>
-                  <a:schemeClr val="accent1"/>
-                </a:solidFill>
-              </a14:hiddenFill>
-            </a:ext>
-            <a:ext uri="{91240B29-F687-4F45-9708-019B960494DF}">
-              <a14:hiddenLine xmlns:a14="http://schemas.microsoft.com/office/drawing/2010/main" w="9525">
-                <a:solidFill>
-                  <a:schemeClr val="tx1"/>
-                </a:solidFill>
-                <a:miter lim="800000"/>
-                <a:headEnd/>
-                <a:tailEnd/>
-              </a14:hiddenLine>
-            </a:ext>
-          </a:extLst>
-        </p:spPr>
-      </p:pic>
-    </p:spTree>
-    <p:extLst>
-      <p:ext uri="{BB962C8B-B14F-4D97-AF65-F5344CB8AC3E}">
-        <p14:creationId xmlns:p14="http://schemas.microsoft.com/office/powerpoint/2010/main" val="2092426580"/>
       </p:ext>
     </p:extLst>
   </p:cSld>
@@ -8678,7 +8653,7 @@
         <p:spPr>
           <a:xfrm>
             <a:off x="674025" y="1429868"/>
-            <a:ext cx="4670812" cy="2646878"/>
+            <a:ext cx="4881928" cy="2662267"/>
           </a:xfrm>
           <a:prstGeom prst="rect">
             <a:avLst/>
@@ -8722,10 +8697,10 @@
                   <a:srgbClr val="219D93"/>
                 </a:solidFill>
               </a:rPr>
-              <a:t>Comitê Consultivo de Mudança (CCM):</a:t>
-            </a:r>
-            <a:r>
-              <a:rPr lang="pt-BR" sz="1400" b="1" dirty="0">
+              <a:t>Mudança não autorizada: </a:t>
+            </a:r>
+            <a:r>
+              <a:rPr lang="pt-BR" sz="1400" dirty="0">
                 <a:solidFill>
                   <a:schemeClr val="tx1">
                     <a:lumMod val="65000"/>
@@ -8733,7 +8708,22 @@
                   </a:schemeClr>
                 </a:solidFill>
               </a:rPr>
-              <a:t> </a:t>
+              <a:t>trata-se daquela sem RDM aprovada.</a:t>
+            </a:r>
+          </a:p>
+          <a:p>
+            <a:pPr>
+              <a:spcAft>
+                <a:spcPts val="1200"/>
+              </a:spcAft>
+            </a:pPr>
+            <a:r>
+              <a:rPr lang="pt-BR" sz="1400" b="1" dirty="0">
+                <a:solidFill>
+                  <a:srgbClr val="219D93"/>
+                </a:solidFill>
+              </a:rPr>
+              <a:t>Mudança padrão: </a:t>
             </a:r>
             <a:r>
               <a:rPr lang="pt-BR" sz="1400" dirty="0">
@@ -8744,7 +8734,53 @@
                   </a:schemeClr>
                 </a:solidFill>
               </a:rPr>
-              <a:t>equipe de aconselhamento para avaliação, priorização e planejamento das mudanças.</a:t>
+              <a:t>trata-se daquela com risco baixo, pré-aprovada e com procedimentos de execução já disponíveis. </a:t>
+            </a:r>
+          </a:p>
+          <a:p>
+            <a:pPr>
+              <a:spcAft>
+                <a:spcPts val="1200"/>
+              </a:spcAft>
+            </a:pPr>
+            <a:r>
+              <a:rPr lang="pt-BR" sz="1400" b="1" dirty="0">
+                <a:solidFill>
+                  <a:srgbClr val="219D93"/>
+                </a:solidFill>
+              </a:rPr>
+              <a:t>Mudança emergencial: </a:t>
+            </a:r>
+            <a:r>
+              <a:rPr lang="pt-BR" sz="1400" dirty="0">
+                <a:solidFill>
+                  <a:schemeClr val="tx1">
+                    <a:lumMod val="65000"/>
+                    <a:lumOff val="35000"/>
+                  </a:schemeClr>
+                </a:solidFill>
+              </a:rPr>
+              <a:t>trata-se daquela que deve ser realizada tão logo quanto possível.</a:t>
+            </a:r>
+          </a:p>
+          <a:p>
+            <a:pPr marL="285750" indent="-285750">
+              <a:spcAft>
+                <a:spcPts val="600"/>
+              </a:spcAft>
+              <a:buFont typeface="Arial" panose="020B0604020202020204" pitchFamily="34" charset="0"/>
+              <a:buChar char="•"/>
+            </a:pPr>
+            <a:r>
+              <a:rPr lang="pt-BR" sz="1400" dirty="0">
+                <a:solidFill>
+                  <a:schemeClr val="tx1">
+                    <a:lumMod val="65000"/>
+                    <a:lumOff val="35000"/>
+                  </a:schemeClr>
+                </a:solidFill>
+              </a:rPr>
+              <a:t>É identificada como mudança prioritária;</a:t>
             </a:r>
           </a:p>
           <a:p>
@@ -8764,55 +8800,7 @@
                   </a:schemeClr>
                 </a:solidFill>
               </a:rPr>
-              <a:t>Possui representantes da área de TI, da área de negócio e os fornecedores envolvidos.</a:t>
-            </a:r>
-          </a:p>
-          <a:p>
-            <a:pPr>
-              <a:spcAft>
-                <a:spcPts val="1200"/>
-              </a:spcAft>
-            </a:pPr>
-            <a:r>
-              <a:rPr lang="pt-BR" sz="1400" b="1" dirty="0">
-                <a:solidFill>
-                  <a:srgbClr val="219D93"/>
-                </a:solidFill>
-              </a:rPr>
-              <a:t>Comitê Consultivo de Mudanças Emergenciais (CCME): </a:t>
-            </a:r>
-            <a:r>
-              <a:rPr lang="pt-BR" sz="1400" dirty="0">
-                <a:solidFill>
-                  <a:schemeClr val="tx1">
-                    <a:lumMod val="65000"/>
-                    <a:lumOff val="35000"/>
-                  </a:schemeClr>
-                </a:solidFill>
-              </a:rPr>
-              <a:t>trata-se de um subconjunto do CCM para mudanças emergenciais que possuem alto impacto para o negócio.</a:t>
-            </a:r>
-            <a:r>
-              <a:rPr lang="pt-BR" sz="1400" b="1" dirty="0">
-                <a:solidFill>
-                  <a:schemeClr val="tx1">
-                    <a:lumMod val="65000"/>
-                    <a:lumOff val="35000"/>
-                  </a:schemeClr>
-                </a:solidFill>
-              </a:rPr>
-              <a:t> </a:t>
-            </a:r>
-            <a:r>
-              <a:rPr lang="pt-BR" sz="1400" dirty="0">
-                <a:solidFill>
-                  <a:schemeClr val="tx1">
-                    <a:lumMod val="65000"/>
-                    <a:lumOff val="35000"/>
-                  </a:schemeClr>
-                </a:solidFill>
-              </a:rPr>
-              <a:t> </a:t>
+              <a:t>Possui fluxo de aprovação diferente das mudanças normais.</a:t>
             </a:r>
           </a:p>
         </p:txBody>
@@ -8918,7 +8906,7 @@
     </p:spTree>
     <p:extLst>
       <p:ext uri="{BB962C8B-B14F-4D97-AF65-F5344CB8AC3E}">
-        <p14:creationId xmlns:p14="http://schemas.microsoft.com/office/powerpoint/2010/main" val="2278336390"/>
+        <p14:creationId xmlns:p14="http://schemas.microsoft.com/office/powerpoint/2010/main" val="2092426580"/>
       </p:ext>
     </p:extLst>
   </p:cSld>
@@ -8929,456 +8917,6 @@
 </file>
 
 <file path=ppt/slides/slide19.xml><?xml version="1.0" encoding="utf-8"?>
-<p:sld xmlns:a="http://schemas.openxmlformats.org/drawingml/2006/main" xmlns:r="http://schemas.openxmlformats.org/officeDocument/2006/relationships" xmlns:p="http://schemas.openxmlformats.org/presentationml/2006/main">
-  <p:cSld>
-    <p:spTree>
-      <p:nvGrpSpPr>
-        <p:cNvPr id="1" name=""/>
-        <p:cNvGrpSpPr/>
-        <p:nvPr/>
-      </p:nvGrpSpPr>
-      <p:grpSpPr>
-        <a:xfrm>
-          <a:off x="0" y="0"/>
-          <a:ext cx="0" cy="0"/>
-          <a:chOff x="0" y="0"/>
-          <a:chExt cx="0" cy="0"/>
-        </a:xfrm>
-      </p:grpSpPr>
-      <p:sp>
-        <p:nvSpPr>
-          <p:cNvPr id="2" name="Retângulo 1"/>
-          <p:cNvSpPr/>
-          <p:nvPr/>
-        </p:nvSpPr>
-        <p:spPr>
-          <a:xfrm>
-            <a:off x="659825" y="1357431"/>
-            <a:ext cx="7746984" cy="2817623"/>
-          </a:xfrm>
-          <a:prstGeom prst="rect">
-            <a:avLst/>
-          </a:prstGeom>
-          <a:solidFill>
-            <a:schemeClr val="bg1">
-              <a:lumMod val="95000"/>
-            </a:schemeClr>
-          </a:solidFill>
-          <a:ln w="3175">
-            <a:solidFill>
-              <a:schemeClr val="bg1">
-                <a:lumMod val="85000"/>
-              </a:schemeClr>
-            </a:solidFill>
-          </a:ln>
-          <a:effectLst/>
-        </p:spPr>
-        <p:style>
-          <a:lnRef idx="1">
-            <a:schemeClr val="accent1"/>
-          </a:lnRef>
-          <a:fillRef idx="3">
-            <a:schemeClr val="accent1"/>
-          </a:fillRef>
-          <a:effectRef idx="2">
-            <a:schemeClr val="accent1"/>
-          </a:effectRef>
-          <a:fontRef idx="minor">
-            <a:schemeClr val="lt1"/>
-          </a:fontRef>
-        </p:style>
-        <p:txBody>
-          <a:bodyPr rtlCol="0" anchor="ctr"/>
-          <a:lstStyle/>
-          <a:p>
-            <a:pPr algn="ctr"/>
-            <a:endParaRPr lang="pt-BR"/>
-          </a:p>
-        </p:txBody>
-      </p:sp>
-      <p:sp>
-        <p:nvSpPr>
-          <p:cNvPr id="3" name="CaixaDeTexto 2"/>
-          <p:cNvSpPr txBox="1"/>
-          <p:nvPr/>
-        </p:nvSpPr>
-        <p:spPr>
-          <a:xfrm>
-            <a:off x="800987" y="1583913"/>
-            <a:ext cx="4783502" cy="2400657"/>
-          </a:xfrm>
-          <a:prstGeom prst="rect">
-            <a:avLst/>
-          </a:prstGeom>
-          <a:noFill/>
-        </p:spPr>
-        <p:txBody>
-          <a:bodyPr wrap="square" rtlCol="0">
-            <a:spAutoFit/>
-          </a:bodyPr>
-          <a:lstStyle/>
-          <a:p>
-            <a:pPr marL="174625" indent="-174625">
-              <a:spcAft>
-                <a:spcPts val="300"/>
-              </a:spcAft>
-              <a:buFont typeface="Arial" panose="020B0604020202020204" pitchFamily="34" charset="0"/>
-              <a:buChar char="•"/>
-            </a:pPr>
-            <a:r>
-              <a:rPr lang="pt-BR" sz="1400" dirty="0">
-                <a:solidFill>
-                  <a:schemeClr val="tx1">
-                    <a:lumMod val="65000"/>
-                    <a:lumOff val="35000"/>
-                  </a:schemeClr>
-                </a:solidFill>
-              </a:rPr>
-              <a:t>O responsável pelo processo do gerenciamento de mudanças deve: (FREITAS, 2013)</a:t>
-            </a:r>
-          </a:p>
-          <a:p>
-            <a:pPr marL="460375" lvl="1" indent="-285750">
-              <a:spcAft>
-                <a:spcPts val="300"/>
-              </a:spcAft>
-              <a:buFont typeface="Arial" panose="020B0604020202020204" pitchFamily="34" charset="0"/>
-              <a:buChar char="•"/>
-            </a:pPr>
-            <a:r>
-              <a:rPr lang="pt-BR" sz="1400" dirty="0">
-                <a:solidFill>
-                  <a:schemeClr val="tx1">
-                    <a:lumMod val="65000"/>
-                    <a:lumOff val="35000"/>
-                  </a:schemeClr>
-                </a:solidFill>
-              </a:rPr>
-              <a:t>Fazer o planejamento e o suporte do processo e das ferramentas do gerenciamento de mudanças;</a:t>
-            </a:r>
-          </a:p>
-          <a:p>
-            <a:pPr marL="460375" lvl="1" indent="-285750">
-              <a:spcAft>
-                <a:spcPts val="300"/>
-              </a:spcAft>
-              <a:buFont typeface="Arial" panose="020B0604020202020204" pitchFamily="34" charset="0"/>
-              <a:buChar char="•"/>
-            </a:pPr>
-            <a:r>
-              <a:rPr lang="pt-BR" sz="1400" dirty="0">
-                <a:solidFill>
-                  <a:schemeClr val="tx1">
-                    <a:lumMod val="65000"/>
-                    <a:lumOff val="35000"/>
-                  </a:schemeClr>
-                </a:solidFill>
-              </a:rPr>
-              <a:t>Assegurar a execução das atividades do processo;</a:t>
-            </a:r>
-          </a:p>
-          <a:p>
-            <a:pPr marL="460375" lvl="1" indent="-285750">
-              <a:spcAft>
-                <a:spcPts val="300"/>
-              </a:spcAft>
-              <a:buFont typeface="Arial" panose="020B0604020202020204" pitchFamily="34" charset="0"/>
-              <a:buChar char="•"/>
-            </a:pPr>
-            <a:r>
-              <a:rPr lang="pt-BR" sz="1400" dirty="0">
-                <a:solidFill>
-                  <a:schemeClr val="tx1">
-                    <a:lumMod val="65000"/>
-                    <a:lumOff val="35000"/>
-                  </a:schemeClr>
-                </a:solidFill>
-              </a:rPr>
-              <a:t>Fazer a manutenção e divulgação do calendário de mudanças;</a:t>
-            </a:r>
-          </a:p>
-          <a:p>
-            <a:pPr marL="460375" lvl="1" indent="-285750">
-              <a:spcAft>
-                <a:spcPts val="300"/>
-              </a:spcAft>
-              <a:buFont typeface="Arial" panose="020B0604020202020204" pitchFamily="34" charset="0"/>
-              <a:buChar char="•"/>
-            </a:pPr>
-            <a:r>
-              <a:rPr lang="pt-BR" sz="1400" dirty="0">
-                <a:solidFill>
-                  <a:schemeClr val="tx1">
-                    <a:lumMod val="65000"/>
-                    <a:lumOff val="35000"/>
-                  </a:schemeClr>
-                </a:solidFill>
-              </a:rPr>
-              <a:t>Atuar na coordenação das interfaces entre o processo de gerenciamento de mudanças e de outros processos, como o de liberações e o de configuração, por exemplo.</a:t>
-            </a:r>
-          </a:p>
-        </p:txBody>
-      </p:sp>
-      <p:pic>
-        <p:nvPicPr>
-          <p:cNvPr id="4" name="Picture 4"/>
-          <p:cNvPicPr>
-            <a:picLocks noChangeAspect="1" noChangeArrowheads="1"/>
-          </p:cNvPicPr>
-          <p:nvPr/>
-        </p:nvPicPr>
-        <p:blipFill>
-          <a:blip r:embed="rId2">
-            <a:extLst>
-              <a:ext uri="{28A0092B-C50C-407E-A947-70E740481C1C}">
-                <a14:useLocalDpi xmlns:a14="http://schemas.microsoft.com/office/drawing/2010/main" val="0"/>
-              </a:ext>
-            </a:extLst>
-          </a:blip>
-          <a:srcRect/>
-          <a:stretch>
-            <a:fillRect/>
-          </a:stretch>
-        </p:blipFill>
-        <p:spPr bwMode="auto">
-          <a:xfrm>
-            <a:off x="5765461" y="1235779"/>
-            <a:ext cx="2394472" cy="3059261"/>
-          </a:xfrm>
-          <a:prstGeom prst="rect">
-            <a:avLst/>
-          </a:prstGeom>
-          <a:ln w="69850">
-            <a:solidFill>
-              <a:schemeClr val="bg1"/>
-            </a:solidFill>
-            <a:miter lim="800000"/>
-            <a:headEnd/>
-            <a:tailEnd/>
-          </a:ln>
-          <a:effectLst>
-            <a:outerShdw blurRad="63500" sx="102000" sy="102000" algn="ctr" rotWithShape="0">
-              <a:prstClr val="black">
-                <a:alpha val="40000"/>
-              </a:prstClr>
-            </a:outerShdw>
-          </a:effectLst>
-          <a:extLst>
-            <a:ext uri="{909E8E84-426E-40DD-AFC4-6F175D3DCCD1}">
-              <a14:hiddenFill xmlns:a14="http://schemas.microsoft.com/office/drawing/2010/main">
-                <a:solidFill>
-                  <a:schemeClr val="accent1"/>
-                </a:solidFill>
-              </a14:hiddenFill>
-            </a:ext>
-          </a:extLst>
-        </p:spPr>
-      </p:pic>
-      <p:sp>
-        <p:nvSpPr>
-          <p:cNvPr id="5" name="CaixaDeTexto 4"/>
-          <p:cNvSpPr txBox="1"/>
-          <p:nvPr/>
-        </p:nvSpPr>
-        <p:spPr>
-          <a:xfrm>
-            <a:off x="369785" y="561729"/>
-            <a:ext cx="5264322" cy="338554"/>
-          </a:xfrm>
-          <a:prstGeom prst="rect">
-            <a:avLst/>
-          </a:prstGeom>
-          <a:noFill/>
-        </p:spPr>
-        <p:txBody>
-          <a:bodyPr wrap="square" rtlCol="0">
-            <a:spAutoFit/>
-          </a:bodyPr>
-          <a:lstStyle/>
-          <a:p>
-            <a:pPr lvl="0">
-              <a:spcBef>
-                <a:spcPts val="1200"/>
-              </a:spcBef>
-              <a:spcAft>
-                <a:spcPts val="1200"/>
-              </a:spcAft>
-            </a:pPr>
-            <a:r>
-              <a:rPr lang="pt-BR" sz="1600" b="1" dirty="0">
-                <a:solidFill>
-                  <a:schemeClr val="tx1">
-                    <a:lumMod val="65000"/>
-                    <a:lumOff val="35000"/>
-                  </a:schemeClr>
-                </a:solidFill>
-              </a:rPr>
-              <a:t>Importância do gerenciamento de mudanças</a:t>
-            </a:r>
-          </a:p>
-        </p:txBody>
-      </p:sp>
-    </p:spTree>
-    <p:extLst>
-      <p:ext uri="{BB962C8B-B14F-4D97-AF65-F5344CB8AC3E}">
-        <p14:creationId xmlns:p14="http://schemas.microsoft.com/office/powerpoint/2010/main" val="1212479060"/>
-      </p:ext>
-    </p:extLst>
-  </p:cSld>
-  <p:clrMapOvr>
-    <a:masterClrMapping/>
-  </p:clrMapOvr>
-</p:sld>
-</file>
-
-<file path=ppt/slides/slide2.xml><?xml version="1.0" encoding="utf-8"?>
-<p:sld xmlns:a="http://schemas.openxmlformats.org/drawingml/2006/main" xmlns:r="http://schemas.openxmlformats.org/officeDocument/2006/relationships" xmlns:p="http://schemas.openxmlformats.org/presentationml/2006/main">
-  <p:cSld>
-    <p:spTree>
-      <p:nvGrpSpPr>
-        <p:cNvPr id="1" name=""/>
-        <p:cNvGrpSpPr/>
-        <p:nvPr/>
-      </p:nvGrpSpPr>
-      <p:grpSpPr>
-        <a:xfrm>
-          <a:off x="0" y="0"/>
-          <a:ext cx="0" cy="0"/>
-          <a:chOff x="0" y="0"/>
-          <a:chExt cx="0" cy="0"/>
-        </a:xfrm>
-      </p:grpSpPr>
-      <p:pic>
-        <p:nvPicPr>
-          <p:cNvPr id="3" name="Imagem 2"/>
-          <p:cNvPicPr>
-            <a:picLocks noChangeAspect="1"/>
-          </p:cNvPicPr>
-          <p:nvPr/>
-        </p:nvPicPr>
-        <p:blipFill>
-          <a:blip r:embed="rId2"/>
-          <a:stretch>
-            <a:fillRect/>
-          </a:stretch>
-        </p:blipFill>
-        <p:spPr>
-          <a:xfrm>
-            <a:off x="5267325" y="0"/>
-            <a:ext cx="3876675" cy="5143500"/>
-          </a:xfrm>
-          <a:prstGeom prst="rect">
-            <a:avLst/>
-          </a:prstGeom>
-        </p:spPr>
-      </p:pic>
-      <p:pic>
-        <p:nvPicPr>
-          <p:cNvPr id="7" name="Imagem 6"/>
-          <p:cNvPicPr>
-            <a:picLocks noChangeAspect="1"/>
-          </p:cNvPicPr>
-          <p:nvPr/>
-        </p:nvPicPr>
-        <p:blipFill>
-          <a:blip r:embed="rId3">
-            <a:extLst>
-              <a:ext uri="{28A0092B-C50C-407E-A947-70E740481C1C}">
-                <a14:useLocalDpi xmlns:a14="http://schemas.microsoft.com/office/drawing/2010/main" val="0"/>
-              </a:ext>
-            </a:extLst>
-          </a:blip>
-          <a:stretch>
-            <a:fillRect/>
-          </a:stretch>
-        </p:blipFill>
-        <p:spPr>
-          <a:xfrm>
-            <a:off x="0" y="0"/>
-            <a:ext cx="9144000" cy="5143500"/>
-          </a:xfrm>
-          <a:prstGeom prst="rect">
-            <a:avLst/>
-          </a:prstGeom>
-        </p:spPr>
-      </p:pic>
-      <p:sp>
-        <p:nvSpPr>
-          <p:cNvPr id="17" name="CaixaDeTexto 16"/>
-          <p:cNvSpPr txBox="1"/>
-          <p:nvPr/>
-        </p:nvSpPr>
-        <p:spPr>
-          <a:xfrm>
-            <a:off x="241337" y="2497120"/>
-            <a:ext cx="2396233" cy="307777"/>
-          </a:xfrm>
-          <a:prstGeom prst="rect">
-            <a:avLst/>
-          </a:prstGeom>
-          <a:noFill/>
-        </p:spPr>
-        <p:txBody>
-          <a:bodyPr wrap="none" rtlCol="0">
-            <a:spAutoFit/>
-          </a:bodyPr>
-          <a:lstStyle/>
-          <a:p>
-            <a:r>
-              <a:rPr lang="pt-BR" sz="1400" b="1" i="1" dirty="0">
-                <a:solidFill>
-                  <a:srgbClr val="157D64"/>
-                </a:solidFill>
-              </a:rPr>
-              <a:t>GESTÃO DE INFRAESTRUTURA</a:t>
-            </a:r>
-          </a:p>
-        </p:txBody>
-      </p:sp>
-      <p:sp>
-        <p:nvSpPr>
-          <p:cNvPr id="18" name="CaixaDeTexto 17"/>
-          <p:cNvSpPr txBox="1"/>
-          <p:nvPr/>
-        </p:nvSpPr>
-        <p:spPr>
-          <a:xfrm>
-            <a:off x="241335" y="2734982"/>
-            <a:ext cx="4000078" cy="707886"/>
-          </a:xfrm>
-          <a:prstGeom prst="rect">
-            <a:avLst/>
-          </a:prstGeom>
-          <a:noFill/>
-        </p:spPr>
-        <p:txBody>
-          <a:bodyPr wrap="square" rtlCol="0">
-            <a:spAutoFit/>
-          </a:bodyPr>
-          <a:lstStyle/>
-          <a:p>
-            <a:r>
-              <a:rPr lang="pt-BR" sz="2000" b="1" dirty="0"/>
-              <a:t>Aula 11: Implantação e manutenção de serviços de TI</a:t>
-            </a:r>
-            <a:endParaRPr lang="pt-BR" sz="2000" dirty="0"/>
-          </a:p>
-        </p:txBody>
-      </p:sp>
-    </p:spTree>
-    <p:extLst>
-      <p:ext uri="{BB962C8B-B14F-4D97-AF65-F5344CB8AC3E}">
-        <p14:creationId xmlns:p14="http://schemas.microsoft.com/office/powerpoint/2010/main" val="277924323"/>
-      </p:ext>
-    </p:extLst>
-  </p:cSld>
-  <p:clrMapOvr>
-    <a:masterClrMapping/>
-  </p:clrMapOvr>
-</p:sld>
-</file>
-
-<file path=ppt/slides/slide20.xml><?xml version="1.0" encoding="utf-8"?>
 <p:sld xmlns:a="http://schemas.openxmlformats.org/drawingml/2006/main" xmlns:r="http://schemas.openxmlformats.org/officeDocument/2006/relationships" xmlns:p="http://schemas.openxmlformats.org/presentationml/2006/main">
   <p:cSld>
     <p:spTree>
@@ -9572,6 +9110,1070 @@
         </p:nvGrpSpPr>
         <p:grpSpPr>
           <a:xfrm>
+            <a:off x="5517925" y="1456689"/>
+            <a:ext cx="3122213" cy="2640398"/>
+            <a:chOff x="8959367" y="2243285"/>
+            <a:chExt cx="2952014" cy="2729264"/>
+          </a:xfrm>
+        </p:grpSpPr>
+        <p:sp>
+          <p:nvSpPr>
+            <p:cNvPr id="5" name="Retângulo 4"/>
+            <p:cNvSpPr/>
+            <p:nvPr/>
+          </p:nvSpPr>
+          <p:spPr>
+            <a:xfrm>
+              <a:off x="8959368" y="2243286"/>
+              <a:ext cx="2952013" cy="2729263"/>
+            </a:xfrm>
+            <a:prstGeom prst="rect">
+              <a:avLst/>
+            </a:prstGeom>
+            <a:solidFill>
+              <a:schemeClr val="bg2"/>
+            </a:solidFill>
+            <a:ln>
+              <a:noFill/>
+            </a:ln>
+            <a:effectLst/>
+          </p:spPr>
+          <p:style>
+            <a:lnRef idx="1">
+              <a:schemeClr val="accent1"/>
+            </a:lnRef>
+            <a:fillRef idx="3">
+              <a:schemeClr val="accent1"/>
+            </a:fillRef>
+            <a:effectRef idx="2">
+              <a:schemeClr val="accent1"/>
+            </a:effectRef>
+            <a:fontRef idx="minor">
+              <a:schemeClr val="lt1"/>
+            </a:fontRef>
+          </p:style>
+          <p:txBody>
+            <a:bodyPr rtlCol="0" anchor="ctr"/>
+            <a:lstStyle/>
+            <a:p>
+              <a:pPr algn="ctr"/>
+              <a:endParaRPr lang="pt-BR"/>
+            </a:p>
+          </p:txBody>
+        </p:sp>
+        <p:sp>
+          <p:nvSpPr>
+            <p:cNvPr id="6" name="Retângulo 5"/>
+            <p:cNvSpPr/>
+            <p:nvPr/>
+          </p:nvSpPr>
+          <p:spPr>
+            <a:xfrm>
+              <a:off x="8959367" y="2243285"/>
+              <a:ext cx="2952013" cy="2729263"/>
+            </a:xfrm>
+            <a:prstGeom prst="rect">
+              <a:avLst/>
+            </a:prstGeom>
+            <a:noFill/>
+            <a:ln>
+              <a:solidFill>
+                <a:schemeClr val="bg1">
+                  <a:lumMod val="85000"/>
+                </a:schemeClr>
+              </a:solidFill>
+            </a:ln>
+            <a:effectLst/>
+          </p:spPr>
+          <p:style>
+            <a:lnRef idx="1">
+              <a:schemeClr val="accent1"/>
+            </a:lnRef>
+            <a:fillRef idx="3">
+              <a:schemeClr val="accent1"/>
+            </a:fillRef>
+            <a:effectRef idx="2">
+              <a:schemeClr val="accent1"/>
+            </a:effectRef>
+            <a:fontRef idx="minor">
+              <a:schemeClr val="lt1"/>
+            </a:fontRef>
+          </p:style>
+          <p:txBody>
+            <a:bodyPr rtlCol="0" anchor="ctr"/>
+            <a:lstStyle/>
+            <a:p>
+              <a:pPr algn="ctr"/>
+              <a:endParaRPr lang="pt-BR">
+                <a:ln w="18415" cmpd="sng">
+                  <a:solidFill>
+                    <a:srgbClr val="FFFFFF"/>
+                  </a:solidFill>
+                  <a:prstDash val="solid"/>
+                </a:ln>
+                <a:solidFill>
+                  <a:srgbClr val="FFFFFF"/>
+                </a:solidFill>
+                <a:effectLst>
+                  <a:outerShdw blurRad="50800" dist="38100" dir="16200000" rotWithShape="0">
+                    <a:prstClr val="black">
+                      <a:alpha val="40000"/>
+                    </a:prstClr>
+                  </a:outerShdw>
+                </a:effectLst>
+              </a:endParaRPr>
+            </a:p>
+          </p:txBody>
+        </p:sp>
+      </p:grpSp>
+      <p:sp>
+        <p:nvSpPr>
+          <p:cNvPr id="7" name="Retângulo de cantos arredondados 5"/>
+          <p:cNvSpPr/>
+          <p:nvPr/>
+        </p:nvSpPr>
+        <p:spPr>
+          <a:xfrm flipV="1">
+            <a:off x="425301" y="4299447"/>
+            <a:ext cx="7905510" cy="45719"/>
+          </a:xfrm>
+          <a:prstGeom prst="roundRect">
+            <a:avLst/>
+          </a:prstGeom>
+          <a:solidFill>
+            <a:srgbClr val="4BB7C1"/>
+          </a:solidFill>
+          <a:ln>
+            <a:noFill/>
+          </a:ln>
+          <a:effectLst/>
+        </p:spPr>
+        <p:style>
+          <a:lnRef idx="1">
+            <a:schemeClr val="accent1"/>
+          </a:lnRef>
+          <a:fillRef idx="3">
+            <a:schemeClr val="accent1"/>
+          </a:fillRef>
+          <a:effectRef idx="2">
+            <a:schemeClr val="accent1"/>
+          </a:effectRef>
+          <a:fontRef idx="minor">
+            <a:schemeClr val="lt1"/>
+          </a:fontRef>
+        </p:style>
+        <p:txBody>
+          <a:bodyPr rtlCol="0" anchor="ctr"/>
+          <a:lstStyle/>
+          <a:p>
+            <a:pPr algn="ctr"/>
+            <a:endParaRPr lang="pt-BR"/>
+          </a:p>
+        </p:txBody>
+      </p:sp>
+      <p:sp>
+        <p:nvSpPr>
+          <p:cNvPr id="8" name="CaixaDeTexto 7"/>
+          <p:cNvSpPr txBox="1"/>
+          <p:nvPr/>
+        </p:nvSpPr>
+        <p:spPr>
+          <a:xfrm>
+            <a:off x="674025" y="1429868"/>
+            <a:ext cx="4670812" cy="2646878"/>
+          </a:xfrm>
+          <a:prstGeom prst="rect">
+            <a:avLst/>
+          </a:prstGeom>
+          <a:noFill/>
+        </p:spPr>
+        <p:txBody>
+          <a:bodyPr wrap="square" rtlCol="0">
+            <a:spAutoFit/>
+          </a:bodyPr>
+          <a:lstStyle/>
+          <a:p>
+            <a:pPr marL="285750" indent="-285750">
+              <a:spcAft>
+                <a:spcPts val="2400"/>
+              </a:spcAft>
+              <a:buFont typeface="Arial" panose="020B0604020202020204" pitchFamily="34" charset="0"/>
+              <a:buChar char="•"/>
+            </a:pPr>
+            <a:r>
+              <a:rPr lang="pt-BR" sz="1400" dirty="0">
+                <a:solidFill>
+                  <a:schemeClr val="tx1">
+                    <a:lumMod val="65000"/>
+                    <a:lumOff val="35000"/>
+                  </a:schemeClr>
+                </a:solidFill>
+              </a:rPr>
+              <a:t>Requisição de Mudança: (FREITAS, 2013)</a:t>
+            </a:r>
+          </a:p>
+          <a:p>
+            <a:pPr>
+              <a:spcAft>
+                <a:spcPts val="1200"/>
+              </a:spcAft>
+            </a:pPr>
+            <a:r>
+              <a:rPr lang="pt-BR" sz="1400" b="1" dirty="0">
+                <a:solidFill>
+                  <a:srgbClr val="219D93"/>
+                </a:solidFill>
+              </a:rPr>
+              <a:t>Comitê Consultivo de Mudança (CCM):</a:t>
+            </a:r>
+            <a:r>
+              <a:rPr lang="pt-BR" sz="1400" b="1" dirty="0">
+                <a:solidFill>
+                  <a:schemeClr val="tx1">
+                    <a:lumMod val="65000"/>
+                    <a:lumOff val="35000"/>
+                  </a:schemeClr>
+                </a:solidFill>
+              </a:rPr>
+              <a:t> </a:t>
+            </a:r>
+            <a:r>
+              <a:rPr lang="pt-BR" sz="1400" dirty="0">
+                <a:solidFill>
+                  <a:schemeClr val="tx1">
+                    <a:lumMod val="65000"/>
+                    <a:lumOff val="35000"/>
+                  </a:schemeClr>
+                </a:solidFill>
+              </a:rPr>
+              <a:t>equipe de aconselhamento para avaliação, priorização e planejamento das mudanças.</a:t>
+            </a:r>
+          </a:p>
+          <a:p>
+            <a:pPr marL="285750" indent="-285750">
+              <a:spcAft>
+                <a:spcPts val="1200"/>
+              </a:spcAft>
+              <a:buFont typeface="Arial" panose="020B0604020202020204" pitchFamily="34" charset="0"/>
+              <a:buChar char="•"/>
+            </a:pPr>
+            <a:r>
+              <a:rPr lang="pt-BR" sz="1400" dirty="0">
+                <a:solidFill>
+                  <a:schemeClr val="tx1">
+                    <a:lumMod val="65000"/>
+                    <a:lumOff val="35000"/>
+                  </a:schemeClr>
+                </a:solidFill>
+              </a:rPr>
+              <a:t>Possui representantes da área de TI, da área de negócio e os fornecedores envolvidos.</a:t>
+            </a:r>
+          </a:p>
+          <a:p>
+            <a:pPr>
+              <a:spcAft>
+                <a:spcPts val="1200"/>
+              </a:spcAft>
+            </a:pPr>
+            <a:r>
+              <a:rPr lang="pt-BR" sz="1400" b="1" dirty="0">
+                <a:solidFill>
+                  <a:srgbClr val="219D93"/>
+                </a:solidFill>
+              </a:rPr>
+              <a:t>Comitê Consultivo de Mudanças Emergenciais (CCME): </a:t>
+            </a:r>
+            <a:r>
+              <a:rPr lang="pt-BR" sz="1400" dirty="0">
+                <a:solidFill>
+                  <a:schemeClr val="tx1">
+                    <a:lumMod val="65000"/>
+                    <a:lumOff val="35000"/>
+                  </a:schemeClr>
+                </a:solidFill>
+              </a:rPr>
+              <a:t>trata-se de um subconjunto do CCM para mudanças emergenciais que possuem alto impacto para o negócio.</a:t>
+            </a:r>
+            <a:r>
+              <a:rPr lang="pt-BR" sz="1400" b="1" dirty="0">
+                <a:solidFill>
+                  <a:schemeClr val="tx1">
+                    <a:lumMod val="65000"/>
+                    <a:lumOff val="35000"/>
+                  </a:schemeClr>
+                </a:solidFill>
+              </a:rPr>
+              <a:t> </a:t>
+            </a:r>
+            <a:r>
+              <a:rPr lang="pt-BR" sz="1400" dirty="0">
+                <a:solidFill>
+                  <a:schemeClr val="tx1">
+                    <a:lumMod val="65000"/>
+                    <a:lumOff val="35000"/>
+                  </a:schemeClr>
+                </a:solidFill>
+              </a:rPr>
+              <a:t> </a:t>
+            </a:r>
+          </a:p>
+        </p:txBody>
+      </p:sp>
+      <p:sp>
+        <p:nvSpPr>
+          <p:cNvPr id="9" name="CaixaDeTexto 8"/>
+          <p:cNvSpPr txBox="1"/>
+          <p:nvPr/>
+        </p:nvSpPr>
+        <p:spPr>
+          <a:xfrm>
+            <a:off x="369785" y="561729"/>
+            <a:ext cx="4025006" cy="338554"/>
+          </a:xfrm>
+          <a:prstGeom prst="rect">
+            <a:avLst/>
+          </a:prstGeom>
+          <a:noFill/>
+        </p:spPr>
+        <p:txBody>
+          <a:bodyPr wrap="square" rtlCol="0">
+            <a:spAutoFit/>
+          </a:bodyPr>
+          <a:lstStyle/>
+          <a:p>
+            <a:pPr lvl="0">
+              <a:spcBef>
+                <a:spcPts val="1200"/>
+              </a:spcBef>
+              <a:spcAft>
+                <a:spcPts val="1200"/>
+              </a:spcAft>
+            </a:pPr>
+            <a:r>
+              <a:rPr lang="pt-BR" sz="1600" b="1" dirty="0">
+                <a:solidFill>
+                  <a:schemeClr val="tx1">
+                    <a:lumMod val="65000"/>
+                    <a:lumOff val="35000"/>
+                  </a:schemeClr>
+                </a:solidFill>
+              </a:rPr>
+              <a:t>Importância do gerenciamento de mudanças</a:t>
+            </a:r>
+          </a:p>
+        </p:txBody>
+      </p:sp>
+      <p:pic>
+        <p:nvPicPr>
+          <p:cNvPr id="10" name="Picture 3"/>
+          <p:cNvPicPr>
+            <a:picLocks noChangeAspect="1" noChangeArrowheads="1"/>
+          </p:cNvPicPr>
+          <p:nvPr/>
+        </p:nvPicPr>
+        <p:blipFill>
+          <a:blip r:embed="rId2">
+            <a:extLst>
+              <a:ext uri="{28A0092B-C50C-407E-A947-70E740481C1C}">
+                <a14:useLocalDpi xmlns:a14="http://schemas.microsoft.com/office/drawing/2010/main" val="0"/>
+              </a:ext>
+            </a:extLst>
+          </a:blip>
+          <a:srcRect/>
+          <a:stretch>
+            <a:fillRect/>
+          </a:stretch>
+        </p:blipFill>
+        <p:spPr bwMode="auto">
+          <a:xfrm>
+            <a:off x="5693505" y="1594636"/>
+            <a:ext cx="2810395" cy="2369019"/>
+          </a:xfrm>
+          <a:prstGeom prst="rect">
+            <a:avLst/>
+          </a:prstGeom>
+          <a:noFill/>
+          <a:ln>
+            <a:noFill/>
+          </a:ln>
+          <a:extLst>
+            <a:ext uri="{909E8E84-426E-40DD-AFC4-6F175D3DCCD1}">
+              <a14:hiddenFill xmlns:a14="http://schemas.microsoft.com/office/drawing/2010/main">
+                <a:solidFill>
+                  <a:schemeClr val="accent1"/>
+                </a:solidFill>
+              </a14:hiddenFill>
+            </a:ext>
+            <a:ext uri="{91240B29-F687-4F45-9708-019B960494DF}">
+              <a14:hiddenLine xmlns:a14="http://schemas.microsoft.com/office/drawing/2010/main" w="9525">
+                <a:solidFill>
+                  <a:schemeClr val="tx1"/>
+                </a:solidFill>
+                <a:miter lim="800000"/>
+                <a:headEnd/>
+                <a:tailEnd/>
+              </a14:hiddenLine>
+            </a:ext>
+          </a:extLst>
+        </p:spPr>
+      </p:pic>
+    </p:spTree>
+    <p:extLst>
+      <p:ext uri="{BB962C8B-B14F-4D97-AF65-F5344CB8AC3E}">
+        <p14:creationId xmlns:p14="http://schemas.microsoft.com/office/powerpoint/2010/main" val="2278336390"/>
+      </p:ext>
+    </p:extLst>
+  </p:cSld>
+  <p:clrMapOvr>
+    <a:masterClrMapping/>
+  </p:clrMapOvr>
+</p:sld>
+</file>
+
+<file path=ppt/slides/slide2.xml><?xml version="1.0" encoding="utf-8"?>
+<p:sld xmlns:a="http://schemas.openxmlformats.org/drawingml/2006/main" xmlns:r="http://schemas.openxmlformats.org/officeDocument/2006/relationships" xmlns:p="http://schemas.openxmlformats.org/presentationml/2006/main">
+  <p:cSld>
+    <p:spTree>
+      <p:nvGrpSpPr>
+        <p:cNvPr id="1" name=""/>
+        <p:cNvGrpSpPr/>
+        <p:nvPr/>
+      </p:nvGrpSpPr>
+      <p:grpSpPr>
+        <a:xfrm>
+          <a:off x="0" y="0"/>
+          <a:ext cx="0" cy="0"/>
+          <a:chOff x="0" y="0"/>
+          <a:chExt cx="0" cy="0"/>
+        </a:xfrm>
+      </p:grpSpPr>
+      <p:pic>
+        <p:nvPicPr>
+          <p:cNvPr id="3" name="Imagem 2"/>
+          <p:cNvPicPr>
+            <a:picLocks noChangeAspect="1"/>
+          </p:cNvPicPr>
+          <p:nvPr/>
+        </p:nvPicPr>
+        <p:blipFill>
+          <a:blip r:embed="rId2"/>
+          <a:stretch>
+            <a:fillRect/>
+          </a:stretch>
+        </p:blipFill>
+        <p:spPr>
+          <a:xfrm>
+            <a:off x="5267325" y="0"/>
+            <a:ext cx="3876675" cy="5143500"/>
+          </a:xfrm>
+          <a:prstGeom prst="rect">
+            <a:avLst/>
+          </a:prstGeom>
+        </p:spPr>
+      </p:pic>
+      <p:pic>
+        <p:nvPicPr>
+          <p:cNvPr id="7" name="Imagem 6"/>
+          <p:cNvPicPr>
+            <a:picLocks noChangeAspect="1"/>
+          </p:cNvPicPr>
+          <p:nvPr/>
+        </p:nvPicPr>
+        <p:blipFill>
+          <a:blip r:embed="rId3">
+            <a:extLst>
+              <a:ext uri="{28A0092B-C50C-407E-A947-70E740481C1C}">
+                <a14:useLocalDpi xmlns:a14="http://schemas.microsoft.com/office/drawing/2010/main" val="0"/>
+              </a:ext>
+            </a:extLst>
+          </a:blip>
+          <a:stretch>
+            <a:fillRect/>
+          </a:stretch>
+        </p:blipFill>
+        <p:spPr>
+          <a:xfrm>
+            <a:off x="0" y="0"/>
+            <a:ext cx="9144000" cy="5143500"/>
+          </a:xfrm>
+          <a:prstGeom prst="rect">
+            <a:avLst/>
+          </a:prstGeom>
+        </p:spPr>
+      </p:pic>
+      <p:sp>
+        <p:nvSpPr>
+          <p:cNvPr id="17" name="CaixaDeTexto 16"/>
+          <p:cNvSpPr txBox="1"/>
+          <p:nvPr/>
+        </p:nvSpPr>
+        <p:spPr>
+          <a:xfrm>
+            <a:off x="241337" y="2497120"/>
+            <a:ext cx="2396233" cy="307777"/>
+          </a:xfrm>
+          <a:prstGeom prst="rect">
+            <a:avLst/>
+          </a:prstGeom>
+          <a:noFill/>
+        </p:spPr>
+        <p:txBody>
+          <a:bodyPr wrap="none" rtlCol="0">
+            <a:spAutoFit/>
+          </a:bodyPr>
+          <a:lstStyle/>
+          <a:p>
+            <a:r>
+              <a:rPr lang="pt-BR" sz="1400" b="1" i="1" dirty="0">
+                <a:solidFill>
+                  <a:srgbClr val="157D64"/>
+                </a:solidFill>
+              </a:rPr>
+              <a:t>GESTÃO DE INFRAESTRUTURA</a:t>
+            </a:r>
+          </a:p>
+        </p:txBody>
+      </p:sp>
+      <p:sp>
+        <p:nvSpPr>
+          <p:cNvPr id="18" name="CaixaDeTexto 17"/>
+          <p:cNvSpPr txBox="1"/>
+          <p:nvPr/>
+        </p:nvSpPr>
+        <p:spPr>
+          <a:xfrm>
+            <a:off x="241335" y="2734982"/>
+            <a:ext cx="4000078" cy="707886"/>
+          </a:xfrm>
+          <a:prstGeom prst="rect">
+            <a:avLst/>
+          </a:prstGeom>
+          <a:noFill/>
+        </p:spPr>
+        <p:txBody>
+          <a:bodyPr wrap="square" rtlCol="0">
+            <a:spAutoFit/>
+          </a:bodyPr>
+          <a:lstStyle/>
+          <a:p>
+            <a:r>
+              <a:rPr lang="pt-BR" sz="2000" b="1" dirty="0"/>
+              <a:t>Aula 11: Implantação e manutenção de serviços de TI</a:t>
+            </a:r>
+            <a:endParaRPr lang="pt-BR" sz="2000" dirty="0"/>
+          </a:p>
+        </p:txBody>
+      </p:sp>
+    </p:spTree>
+    <p:extLst>
+      <p:ext uri="{BB962C8B-B14F-4D97-AF65-F5344CB8AC3E}">
+        <p14:creationId xmlns:p14="http://schemas.microsoft.com/office/powerpoint/2010/main" val="277924323"/>
+      </p:ext>
+    </p:extLst>
+  </p:cSld>
+  <p:clrMapOvr>
+    <a:masterClrMapping/>
+  </p:clrMapOvr>
+</p:sld>
+</file>
+
+<file path=ppt/slides/slide20.xml><?xml version="1.0" encoding="utf-8"?>
+<p:sld xmlns:a="http://schemas.openxmlformats.org/drawingml/2006/main" xmlns:r="http://schemas.openxmlformats.org/officeDocument/2006/relationships" xmlns:p="http://schemas.openxmlformats.org/presentationml/2006/main">
+  <p:cSld>
+    <p:spTree>
+      <p:nvGrpSpPr>
+        <p:cNvPr id="1" name=""/>
+        <p:cNvGrpSpPr/>
+        <p:nvPr/>
+      </p:nvGrpSpPr>
+      <p:grpSpPr>
+        <a:xfrm>
+          <a:off x="0" y="0"/>
+          <a:ext cx="0" cy="0"/>
+          <a:chOff x="0" y="0"/>
+          <a:chExt cx="0" cy="0"/>
+        </a:xfrm>
+      </p:grpSpPr>
+      <p:sp>
+        <p:nvSpPr>
+          <p:cNvPr id="2" name="Retângulo 1"/>
+          <p:cNvSpPr/>
+          <p:nvPr/>
+        </p:nvSpPr>
+        <p:spPr>
+          <a:xfrm>
+            <a:off x="659825" y="1357431"/>
+            <a:ext cx="7746984" cy="2817623"/>
+          </a:xfrm>
+          <a:prstGeom prst="rect">
+            <a:avLst/>
+          </a:prstGeom>
+          <a:solidFill>
+            <a:schemeClr val="bg1">
+              <a:lumMod val="95000"/>
+            </a:schemeClr>
+          </a:solidFill>
+          <a:ln w="3175">
+            <a:solidFill>
+              <a:schemeClr val="bg1">
+                <a:lumMod val="85000"/>
+              </a:schemeClr>
+            </a:solidFill>
+          </a:ln>
+          <a:effectLst/>
+        </p:spPr>
+        <p:style>
+          <a:lnRef idx="1">
+            <a:schemeClr val="accent1"/>
+          </a:lnRef>
+          <a:fillRef idx="3">
+            <a:schemeClr val="accent1"/>
+          </a:fillRef>
+          <a:effectRef idx="2">
+            <a:schemeClr val="accent1"/>
+          </a:effectRef>
+          <a:fontRef idx="minor">
+            <a:schemeClr val="lt1"/>
+          </a:fontRef>
+        </p:style>
+        <p:txBody>
+          <a:bodyPr rtlCol="0" anchor="ctr"/>
+          <a:lstStyle/>
+          <a:p>
+            <a:pPr algn="ctr"/>
+            <a:endParaRPr lang="pt-BR"/>
+          </a:p>
+        </p:txBody>
+      </p:sp>
+      <p:sp>
+        <p:nvSpPr>
+          <p:cNvPr id="3" name="CaixaDeTexto 2"/>
+          <p:cNvSpPr txBox="1"/>
+          <p:nvPr/>
+        </p:nvSpPr>
+        <p:spPr>
+          <a:xfrm>
+            <a:off x="800987" y="1583913"/>
+            <a:ext cx="4783502" cy="2400657"/>
+          </a:xfrm>
+          <a:prstGeom prst="rect">
+            <a:avLst/>
+          </a:prstGeom>
+          <a:noFill/>
+        </p:spPr>
+        <p:txBody>
+          <a:bodyPr wrap="square" rtlCol="0">
+            <a:spAutoFit/>
+          </a:bodyPr>
+          <a:lstStyle/>
+          <a:p>
+            <a:pPr marL="174625" indent="-174625">
+              <a:spcAft>
+                <a:spcPts val="300"/>
+              </a:spcAft>
+              <a:buFont typeface="Arial" panose="020B0604020202020204" pitchFamily="34" charset="0"/>
+              <a:buChar char="•"/>
+            </a:pPr>
+            <a:r>
+              <a:rPr lang="pt-BR" sz="1400" dirty="0">
+                <a:solidFill>
+                  <a:schemeClr val="tx1">
+                    <a:lumMod val="65000"/>
+                    <a:lumOff val="35000"/>
+                  </a:schemeClr>
+                </a:solidFill>
+              </a:rPr>
+              <a:t>O responsável pelo processo do gerenciamento de mudanças deve: (FREITAS, 2013)</a:t>
+            </a:r>
+          </a:p>
+          <a:p>
+            <a:pPr marL="460375" lvl="1" indent="-285750">
+              <a:spcAft>
+                <a:spcPts val="300"/>
+              </a:spcAft>
+              <a:buFont typeface="Arial" panose="020B0604020202020204" pitchFamily="34" charset="0"/>
+              <a:buChar char="•"/>
+            </a:pPr>
+            <a:r>
+              <a:rPr lang="pt-BR" sz="1400" dirty="0">
+                <a:solidFill>
+                  <a:schemeClr val="tx1">
+                    <a:lumMod val="65000"/>
+                    <a:lumOff val="35000"/>
+                  </a:schemeClr>
+                </a:solidFill>
+              </a:rPr>
+              <a:t>Fazer o planejamento e o suporte do processo e das ferramentas do gerenciamento de mudanças;</a:t>
+            </a:r>
+          </a:p>
+          <a:p>
+            <a:pPr marL="460375" lvl="1" indent="-285750">
+              <a:spcAft>
+                <a:spcPts val="300"/>
+              </a:spcAft>
+              <a:buFont typeface="Arial" panose="020B0604020202020204" pitchFamily="34" charset="0"/>
+              <a:buChar char="•"/>
+            </a:pPr>
+            <a:r>
+              <a:rPr lang="pt-BR" sz="1400" dirty="0">
+                <a:solidFill>
+                  <a:schemeClr val="tx1">
+                    <a:lumMod val="65000"/>
+                    <a:lumOff val="35000"/>
+                  </a:schemeClr>
+                </a:solidFill>
+              </a:rPr>
+              <a:t>Assegurar a execução das atividades do processo;</a:t>
+            </a:r>
+          </a:p>
+          <a:p>
+            <a:pPr marL="460375" lvl="1" indent="-285750">
+              <a:spcAft>
+                <a:spcPts val="300"/>
+              </a:spcAft>
+              <a:buFont typeface="Arial" panose="020B0604020202020204" pitchFamily="34" charset="0"/>
+              <a:buChar char="•"/>
+            </a:pPr>
+            <a:r>
+              <a:rPr lang="pt-BR" sz="1400" dirty="0">
+                <a:solidFill>
+                  <a:schemeClr val="tx1">
+                    <a:lumMod val="65000"/>
+                    <a:lumOff val="35000"/>
+                  </a:schemeClr>
+                </a:solidFill>
+              </a:rPr>
+              <a:t>Fazer a manutenção e divulgação do calendário de mudanças;</a:t>
+            </a:r>
+          </a:p>
+          <a:p>
+            <a:pPr marL="460375" lvl="1" indent="-285750">
+              <a:spcAft>
+                <a:spcPts val="300"/>
+              </a:spcAft>
+              <a:buFont typeface="Arial" panose="020B0604020202020204" pitchFamily="34" charset="0"/>
+              <a:buChar char="•"/>
+            </a:pPr>
+            <a:r>
+              <a:rPr lang="pt-BR" sz="1400" dirty="0">
+                <a:solidFill>
+                  <a:schemeClr val="tx1">
+                    <a:lumMod val="65000"/>
+                    <a:lumOff val="35000"/>
+                  </a:schemeClr>
+                </a:solidFill>
+              </a:rPr>
+              <a:t>Atuar na coordenação das interfaces entre o processo de gerenciamento de mudanças e de outros processos, como o de liberações e o de configuração, por exemplo.</a:t>
+            </a:r>
+          </a:p>
+        </p:txBody>
+      </p:sp>
+      <p:pic>
+        <p:nvPicPr>
+          <p:cNvPr id="4" name="Picture 4"/>
+          <p:cNvPicPr>
+            <a:picLocks noChangeAspect="1" noChangeArrowheads="1"/>
+          </p:cNvPicPr>
+          <p:nvPr/>
+        </p:nvPicPr>
+        <p:blipFill>
+          <a:blip r:embed="rId2">
+            <a:extLst>
+              <a:ext uri="{28A0092B-C50C-407E-A947-70E740481C1C}">
+                <a14:useLocalDpi xmlns:a14="http://schemas.microsoft.com/office/drawing/2010/main" val="0"/>
+              </a:ext>
+            </a:extLst>
+          </a:blip>
+          <a:srcRect/>
+          <a:stretch>
+            <a:fillRect/>
+          </a:stretch>
+        </p:blipFill>
+        <p:spPr bwMode="auto">
+          <a:xfrm>
+            <a:off x="5765461" y="1235779"/>
+            <a:ext cx="2394472" cy="3059261"/>
+          </a:xfrm>
+          <a:prstGeom prst="rect">
+            <a:avLst/>
+          </a:prstGeom>
+          <a:ln w="69850">
+            <a:solidFill>
+              <a:schemeClr val="bg1"/>
+            </a:solidFill>
+            <a:miter lim="800000"/>
+            <a:headEnd/>
+            <a:tailEnd/>
+          </a:ln>
+          <a:effectLst>
+            <a:outerShdw blurRad="63500" sx="102000" sy="102000" algn="ctr" rotWithShape="0">
+              <a:prstClr val="black">
+                <a:alpha val="40000"/>
+              </a:prstClr>
+            </a:outerShdw>
+          </a:effectLst>
+          <a:extLst>
+            <a:ext uri="{909E8E84-426E-40DD-AFC4-6F175D3DCCD1}">
+              <a14:hiddenFill xmlns:a14="http://schemas.microsoft.com/office/drawing/2010/main">
+                <a:solidFill>
+                  <a:schemeClr val="accent1"/>
+                </a:solidFill>
+              </a14:hiddenFill>
+            </a:ext>
+          </a:extLst>
+        </p:spPr>
+      </p:pic>
+      <p:sp>
+        <p:nvSpPr>
+          <p:cNvPr id="5" name="CaixaDeTexto 4"/>
+          <p:cNvSpPr txBox="1"/>
+          <p:nvPr/>
+        </p:nvSpPr>
+        <p:spPr>
+          <a:xfrm>
+            <a:off x="369785" y="561729"/>
+            <a:ext cx="5264322" cy="338554"/>
+          </a:xfrm>
+          <a:prstGeom prst="rect">
+            <a:avLst/>
+          </a:prstGeom>
+          <a:noFill/>
+        </p:spPr>
+        <p:txBody>
+          <a:bodyPr wrap="square" rtlCol="0">
+            <a:spAutoFit/>
+          </a:bodyPr>
+          <a:lstStyle/>
+          <a:p>
+            <a:pPr lvl="0">
+              <a:spcBef>
+                <a:spcPts val="1200"/>
+              </a:spcBef>
+              <a:spcAft>
+                <a:spcPts val="1200"/>
+              </a:spcAft>
+            </a:pPr>
+            <a:r>
+              <a:rPr lang="pt-BR" sz="1600" b="1" dirty="0">
+                <a:solidFill>
+                  <a:schemeClr val="tx1">
+                    <a:lumMod val="65000"/>
+                    <a:lumOff val="35000"/>
+                  </a:schemeClr>
+                </a:solidFill>
+              </a:rPr>
+              <a:t>Importância do gerenciamento de mudanças</a:t>
+            </a:r>
+          </a:p>
+        </p:txBody>
+      </p:sp>
+    </p:spTree>
+    <p:extLst>
+      <p:ext uri="{BB962C8B-B14F-4D97-AF65-F5344CB8AC3E}">
+        <p14:creationId xmlns:p14="http://schemas.microsoft.com/office/powerpoint/2010/main" val="1212479060"/>
+      </p:ext>
+    </p:extLst>
+  </p:cSld>
+  <p:clrMapOvr>
+    <a:masterClrMapping/>
+  </p:clrMapOvr>
+</p:sld>
+</file>
+
+<file path=ppt/slides/slide21.xml><?xml version="1.0" encoding="utf-8"?>
+<p:sld xmlns:a="http://schemas.openxmlformats.org/drawingml/2006/main" xmlns:r="http://schemas.openxmlformats.org/officeDocument/2006/relationships" xmlns:p="http://schemas.openxmlformats.org/presentationml/2006/main">
+  <p:cSld>
+    <p:spTree>
+      <p:nvGrpSpPr>
+        <p:cNvPr id="1" name=""/>
+        <p:cNvGrpSpPr/>
+        <p:nvPr/>
+      </p:nvGrpSpPr>
+      <p:grpSpPr>
+        <a:xfrm>
+          <a:off x="0" y="0"/>
+          <a:ext cx="0" cy="0"/>
+          <a:chOff x="0" y="0"/>
+          <a:chExt cx="0" cy="0"/>
+        </a:xfrm>
+      </p:grpSpPr>
+      <p:sp>
+        <p:nvSpPr>
+          <p:cNvPr id="2" name="Retângulo 10"/>
+          <p:cNvSpPr/>
+          <p:nvPr/>
+        </p:nvSpPr>
+        <p:spPr>
+          <a:xfrm rot="275902">
+            <a:off x="8017632" y="1323685"/>
+            <a:ext cx="626363" cy="541902"/>
+          </a:xfrm>
+          <a:custGeom>
+            <a:avLst/>
+            <a:gdLst>
+              <a:gd name="connsiteX0" fmla="*/ 0 w 556537"/>
+              <a:gd name="connsiteY0" fmla="*/ 0 h 349397"/>
+              <a:gd name="connsiteX1" fmla="*/ 556537 w 556537"/>
+              <a:gd name="connsiteY1" fmla="*/ 0 h 349397"/>
+              <a:gd name="connsiteX2" fmla="*/ 556537 w 556537"/>
+              <a:gd name="connsiteY2" fmla="*/ 349397 h 349397"/>
+              <a:gd name="connsiteX3" fmla="*/ 0 w 556537"/>
+              <a:gd name="connsiteY3" fmla="*/ 349397 h 349397"/>
+              <a:gd name="connsiteX4" fmla="*/ 0 w 556537"/>
+              <a:gd name="connsiteY4" fmla="*/ 0 h 349397"/>
+              <a:gd name="connsiteX0" fmla="*/ 0 w 568569"/>
+              <a:gd name="connsiteY0" fmla="*/ 0 h 541902"/>
+              <a:gd name="connsiteX1" fmla="*/ 556537 w 568569"/>
+              <a:gd name="connsiteY1" fmla="*/ 0 h 541902"/>
+              <a:gd name="connsiteX2" fmla="*/ 568569 w 568569"/>
+              <a:gd name="connsiteY2" fmla="*/ 541902 h 541902"/>
+              <a:gd name="connsiteX3" fmla="*/ 0 w 568569"/>
+              <a:gd name="connsiteY3" fmla="*/ 349397 h 541902"/>
+              <a:gd name="connsiteX4" fmla="*/ 0 w 568569"/>
+              <a:gd name="connsiteY4" fmla="*/ 0 h 541902"/>
+              <a:gd name="connsiteX0" fmla="*/ 0 w 568569"/>
+              <a:gd name="connsiteY0" fmla="*/ 0 h 541902"/>
+              <a:gd name="connsiteX1" fmla="*/ 556537 w 568569"/>
+              <a:gd name="connsiteY1" fmla="*/ 108284 h 541902"/>
+              <a:gd name="connsiteX2" fmla="*/ 568569 w 568569"/>
+              <a:gd name="connsiteY2" fmla="*/ 541902 h 541902"/>
+              <a:gd name="connsiteX3" fmla="*/ 0 w 568569"/>
+              <a:gd name="connsiteY3" fmla="*/ 349397 h 541902"/>
+              <a:gd name="connsiteX4" fmla="*/ 0 w 568569"/>
+              <a:gd name="connsiteY4" fmla="*/ 0 h 541902"/>
+            </a:gdLst>
+            <a:ahLst/>
+            <a:cxnLst>
+              <a:cxn ang="0">
+                <a:pos x="connsiteX0" y="connsiteY0"/>
+              </a:cxn>
+              <a:cxn ang="0">
+                <a:pos x="connsiteX1" y="connsiteY1"/>
+              </a:cxn>
+              <a:cxn ang="0">
+                <a:pos x="connsiteX2" y="connsiteY2"/>
+              </a:cxn>
+              <a:cxn ang="0">
+                <a:pos x="connsiteX3" y="connsiteY3"/>
+              </a:cxn>
+              <a:cxn ang="0">
+                <a:pos x="connsiteX4" y="connsiteY4"/>
+              </a:cxn>
+            </a:cxnLst>
+            <a:rect l="l" t="t" r="r" b="b"/>
+            <a:pathLst>
+              <a:path w="568569" h="541902">
+                <a:moveTo>
+                  <a:pt x="0" y="0"/>
+                </a:moveTo>
+                <a:lnTo>
+                  <a:pt x="556537" y="108284"/>
+                </a:lnTo>
+                <a:lnTo>
+                  <a:pt x="568569" y="541902"/>
+                </a:lnTo>
+                <a:lnTo>
+                  <a:pt x="0" y="349397"/>
+                </a:lnTo>
+                <a:lnTo>
+                  <a:pt x="0" y="0"/>
+                </a:lnTo>
+                <a:close/>
+              </a:path>
+            </a:pathLst>
+          </a:custGeom>
+          <a:solidFill>
+            <a:schemeClr val="bg1">
+              <a:lumMod val="75000"/>
+            </a:schemeClr>
+          </a:solidFill>
+          <a:ln>
+            <a:noFill/>
+          </a:ln>
+          <a:effectLst/>
+        </p:spPr>
+        <p:style>
+          <a:lnRef idx="1">
+            <a:schemeClr val="accent1"/>
+          </a:lnRef>
+          <a:fillRef idx="3">
+            <a:schemeClr val="accent1"/>
+          </a:fillRef>
+          <a:effectRef idx="2">
+            <a:schemeClr val="accent1"/>
+          </a:effectRef>
+          <a:fontRef idx="minor">
+            <a:schemeClr val="lt1"/>
+          </a:fontRef>
+        </p:style>
+        <p:txBody>
+          <a:bodyPr rtlCol="0" anchor="ctr"/>
+          <a:lstStyle/>
+          <a:p>
+            <a:pPr algn="ctr"/>
+            <a:endParaRPr lang="pt-BR"/>
+          </a:p>
+        </p:txBody>
+      </p:sp>
+      <p:sp>
+        <p:nvSpPr>
+          <p:cNvPr id="3" name="Retângulo 2"/>
+          <p:cNvSpPr/>
+          <p:nvPr/>
+        </p:nvSpPr>
+        <p:spPr>
+          <a:xfrm>
+            <a:off x="425302" y="1223206"/>
+            <a:ext cx="7905510" cy="3075592"/>
+          </a:xfrm>
+          <a:prstGeom prst="rect">
+            <a:avLst/>
+          </a:prstGeom>
+          <a:solidFill>
+            <a:schemeClr val="bg1">
+              <a:lumMod val="95000"/>
+            </a:schemeClr>
+          </a:solidFill>
+          <a:ln w="3175">
+            <a:solidFill>
+              <a:schemeClr val="bg1">
+                <a:lumMod val="85000"/>
+              </a:schemeClr>
+            </a:solidFill>
+          </a:ln>
+          <a:effectLst/>
+        </p:spPr>
+        <p:style>
+          <a:lnRef idx="1">
+            <a:schemeClr val="accent1"/>
+          </a:lnRef>
+          <a:fillRef idx="3">
+            <a:schemeClr val="accent1"/>
+          </a:fillRef>
+          <a:effectRef idx="2">
+            <a:schemeClr val="accent1"/>
+          </a:effectRef>
+          <a:fontRef idx="minor">
+            <a:schemeClr val="lt1"/>
+          </a:fontRef>
+        </p:style>
+        <p:txBody>
+          <a:bodyPr rtlCol="0" anchor="ctr"/>
+          <a:lstStyle/>
+          <a:p>
+            <a:pPr algn="ctr"/>
+            <a:endParaRPr lang="pt-BR"/>
+          </a:p>
+        </p:txBody>
+      </p:sp>
+      <p:grpSp>
+        <p:nvGrpSpPr>
+          <p:cNvPr id="4" name="Grupo 7"/>
+          <p:cNvGrpSpPr/>
+          <p:nvPr/>
+        </p:nvGrpSpPr>
+        <p:grpSpPr>
+          <a:xfrm>
             <a:off x="5699051" y="1456689"/>
             <a:ext cx="2941087" cy="2640398"/>
             <a:chOff x="8959367" y="2243285"/>
@@ -9908,7 +10510,7 @@
 </p:sld>
 </file>
 
-<file path=ppt/slides/slide21.xml><?xml version="1.0" encoding="utf-8"?>
+<file path=ppt/slides/slide22.xml><?xml version="1.0" encoding="utf-8"?>
 <p:sld xmlns:a="http://schemas.openxmlformats.org/drawingml/2006/main" xmlns:r="http://schemas.openxmlformats.org/officeDocument/2006/relationships" xmlns:p="http://schemas.openxmlformats.org/presentationml/2006/main">
   <p:cSld>
     <p:spTree>
@@ -10551,7 +11153,7 @@
 </p:sld>
 </file>
 
-<file path=ppt/slides/slide22.xml><?xml version="1.0" encoding="utf-8"?>
+<file path=ppt/slides/slide23.xml><?xml version="1.0" encoding="utf-8"?>
 <p:sld xmlns:a="http://schemas.openxmlformats.org/drawingml/2006/main" xmlns:r="http://schemas.openxmlformats.org/officeDocument/2006/relationships" xmlns:p="http://schemas.openxmlformats.org/presentationml/2006/main">
   <p:cSld>
     <p:spTree>
@@ -11174,7 +11776,7 @@
 </p:sld>
 </file>
 
-<file path=ppt/slides/slide23.xml><?xml version="1.0" encoding="utf-8"?>
+<file path=ppt/slides/slide24.xml><?xml version="1.0" encoding="utf-8"?>
 <p:sld xmlns:a="http://schemas.openxmlformats.org/drawingml/2006/main" xmlns:r="http://schemas.openxmlformats.org/officeDocument/2006/relationships" xmlns:p="http://schemas.openxmlformats.org/presentationml/2006/main">
   <p:cSld>
     <p:spTree>
@@ -11857,7 +12459,7 @@
 </p:sld>
 </file>
 
-<file path=ppt/slides/slide24.xml><?xml version="1.0" encoding="utf-8"?>
+<file path=ppt/slides/slide25.xml><?xml version="1.0" encoding="utf-8"?>
 <p:sld xmlns:a="http://schemas.openxmlformats.org/drawingml/2006/main" xmlns:r="http://schemas.openxmlformats.org/officeDocument/2006/relationships" xmlns:p="http://schemas.openxmlformats.org/presentationml/2006/main">
   <p:cSld>
     <p:spTree>
@@ -12406,7 +13008,7 @@
 </p:sld>
 </file>
 
-<file path=ppt/slides/slide25.xml><?xml version="1.0" encoding="utf-8"?>
+<file path=ppt/slides/slide26.xml><?xml version="1.0" encoding="utf-8"?>
 <p:sld xmlns:a="http://schemas.openxmlformats.org/drawingml/2006/main" xmlns:r="http://schemas.openxmlformats.org/officeDocument/2006/relationships" xmlns:p="http://schemas.openxmlformats.org/presentationml/2006/main">
   <p:cSld>
     <p:spTree>
@@ -12866,7 +13468,7 @@
 </p:sld>
 </file>
 
-<file path=ppt/slides/slide26.xml><?xml version="1.0" encoding="utf-8"?>
+<file path=ppt/slides/slide27.xml><?xml version="1.0" encoding="utf-8"?>
 <p:sld xmlns:a="http://schemas.openxmlformats.org/drawingml/2006/main" xmlns:r="http://schemas.openxmlformats.org/officeDocument/2006/relationships" xmlns:p="http://schemas.openxmlformats.org/presentationml/2006/main">
   <p:cSld>
     <p:spTree>
